--- a/Document/5-设计管理/2-数据/数据存储.pptx
+++ b/Document/5-设计管理/2-数据/数据存储.pptx
@@ -8,9 +8,11 @@
     <p:sldId id="256" r:id="rId2"/>
     <p:sldId id="257" r:id="rId3"/>
     <p:sldId id="259" r:id="rId4"/>
-    <p:sldId id="260" r:id="rId5"/>
-    <p:sldId id="261" r:id="rId6"/>
-    <p:sldId id="262" r:id="rId7"/>
+    <p:sldId id="263" r:id="rId5"/>
+    <p:sldId id="260" r:id="rId6"/>
+    <p:sldId id="261" r:id="rId7"/>
+    <p:sldId id="262" r:id="rId8"/>
+    <p:sldId id="264" r:id="rId9"/>
   </p:sldIdLst>
   <p:sldSz cx="12192000" cy="6858000"/>
   <p:notesSz cx="6858000" cy="9144000"/>
@@ -248,7 +250,7 @@
           <a:p>
             <a:fld id="{BDECC01D-D5F0-4459-91BF-84E8FC0057D4}" type="datetimeFigureOut">
               <a:rPr lang="zh-CN" altLang="en-US" smtClean="0"/>
-              <a:t>2015/12/16</a:t>
+              <a:t>2015/12/17</a:t>
             </a:fld>
             <a:endParaRPr lang="zh-CN" altLang="en-US"/>
           </a:p>
@@ -418,7 +420,7 @@
           <a:p>
             <a:fld id="{BDECC01D-D5F0-4459-91BF-84E8FC0057D4}" type="datetimeFigureOut">
               <a:rPr lang="zh-CN" altLang="en-US" smtClean="0"/>
-              <a:t>2015/12/16</a:t>
+              <a:t>2015/12/17</a:t>
             </a:fld>
             <a:endParaRPr lang="zh-CN" altLang="en-US"/>
           </a:p>
@@ -598,7 +600,7 @@
           <a:p>
             <a:fld id="{BDECC01D-D5F0-4459-91BF-84E8FC0057D4}" type="datetimeFigureOut">
               <a:rPr lang="zh-CN" altLang="en-US" smtClean="0"/>
-              <a:t>2015/12/16</a:t>
+              <a:t>2015/12/17</a:t>
             </a:fld>
             <a:endParaRPr lang="zh-CN" altLang="en-US"/>
           </a:p>
@@ -768,7 +770,7 @@
           <a:p>
             <a:fld id="{BDECC01D-D5F0-4459-91BF-84E8FC0057D4}" type="datetimeFigureOut">
               <a:rPr lang="zh-CN" altLang="en-US" smtClean="0"/>
-              <a:t>2015/12/16</a:t>
+              <a:t>2015/12/17</a:t>
             </a:fld>
             <a:endParaRPr lang="zh-CN" altLang="en-US"/>
           </a:p>
@@ -1014,7 +1016,7 @@
           <a:p>
             <a:fld id="{BDECC01D-D5F0-4459-91BF-84E8FC0057D4}" type="datetimeFigureOut">
               <a:rPr lang="zh-CN" altLang="en-US" smtClean="0"/>
-              <a:t>2015/12/16</a:t>
+              <a:t>2015/12/17</a:t>
             </a:fld>
             <a:endParaRPr lang="zh-CN" altLang="en-US"/>
           </a:p>
@@ -1246,7 +1248,7 @@
           <a:p>
             <a:fld id="{BDECC01D-D5F0-4459-91BF-84E8FC0057D4}" type="datetimeFigureOut">
               <a:rPr lang="zh-CN" altLang="en-US" smtClean="0"/>
-              <a:t>2015/12/16</a:t>
+              <a:t>2015/12/17</a:t>
             </a:fld>
             <a:endParaRPr lang="zh-CN" altLang="en-US"/>
           </a:p>
@@ -1613,7 +1615,7 @@
           <a:p>
             <a:fld id="{BDECC01D-D5F0-4459-91BF-84E8FC0057D4}" type="datetimeFigureOut">
               <a:rPr lang="zh-CN" altLang="en-US" smtClean="0"/>
-              <a:t>2015/12/16</a:t>
+              <a:t>2015/12/17</a:t>
             </a:fld>
             <a:endParaRPr lang="zh-CN" altLang="en-US"/>
           </a:p>
@@ -1731,7 +1733,7 @@
           <a:p>
             <a:fld id="{BDECC01D-D5F0-4459-91BF-84E8FC0057D4}" type="datetimeFigureOut">
               <a:rPr lang="zh-CN" altLang="en-US" smtClean="0"/>
-              <a:t>2015/12/16</a:t>
+              <a:t>2015/12/17</a:t>
             </a:fld>
             <a:endParaRPr lang="zh-CN" altLang="en-US"/>
           </a:p>
@@ -1826,7 +1828,7 @@
           <a:p>
             <a:fld id="{BDECC01D-D5F0-4459-91BF-84E8FC0057D4}" type="datetimeFigureOut">
               <a:rPr lang="zh-CN" altLang="en-US" smtClean="0"/>
-              <a:t>2015/12/16</a:t>
+              <a:t>2015/12/17</a:t>
             </a:fld>
             <a:endParaRPr lang="zh-CN" altLang="en-US"/>
           </a:p>
@@ -2103,7 +2105,7 @@
           <a:p>
             <a:fld id="{BDECC01D-D5F0-4459-91BF-84E8FC0057D4}" type="datetimeFigureOut">
               <a:rPr lang="zh-CN" altLang="en-US" smtClean="0"/>
-              <a:t>2015/12/16</a:t>
+              <a:t>2015/12/17</a:t>
             </a:fld>
             <a:endParaRPr lang="zh-CN" altLang="en-US"/>
           </a:p>
@@ -2356,7 +2358,7 @@
           <a:p>
             <a:fld id="{BDECC01D-D5F0-4459-91BF-84E8FC0057D4}" type="datetimeFigureOut">
               <a:rPr lang="zh-CN" altLang="en-US" smtClean="0"/>
-              <a:t>2015/12/16</a:t>
+              <a:t>2015/12/17</a:t>
             </a:fld>
             <a:endParaRPr lang="zh-CN" altLang="en-US"/>
           </a:p>
@@ -2569,7 +2571,7 @@
           <a:p>
             <a:fld id="{BDECC01D-D5F0-4459-91BF-84E8FC0057D4}" type="datetimeFigureOut">
               <a:rPr lang="zh-CN" altLang="en-US" smtClean="0"/>
-              <a:t>2015/12/16</a:t>
+              <a:t>2015/12/17</a:t>
             </a:fld>
             <a:endParaRPr lang="zh-CN" altLang="en-US"/>
           </a:p>
@@ -3410,470 +3412,117 @@
           <a:bodyPr/>
           <a:lstStyle/>
           <a:p>
-            <a:endParaRPr lang="zh-CN" altLang="en-US"/>
-          </a:p>
-        </p:txBody>
-      </p:sp>
-      <p:sp>
-        <p:nvSpPr>
-          <p:cNvPr id="4" name="圆角矩形 3"/>
-          <p:cNvSpPr/>
-          <p:nvPr/>
-        </p:nvSpPr>
-        <p:spPr>
-          <a:xfrm>
-            <a:off x="722812" y="2882534"/>
-            <a:ext cx="1724297" cy="461555"/>
-          </a:xfrm>
-          <a:prstGeom prst="roundRect">
-            <a:avLst/>
-          </a:prstGeom>
-        </p:spPr>
-        <p:style>
-          <a:lnRef idx="2">
-            <a:schemeClr val="accent1">
-              <a:shade val="50000"/>
-            </a:schemeClr>
-          </a:lnRef>
-          <a:fillRef idx="1">
-            <a:schemeClr val="accent1"/>
-          </a:fillRef>
-          <a:effectRef idx="0">
-            <a:schemeClr val="accent1"/>
-          </a:effectRef>
-          <a:fontRef idx="minor">
-            <a:schemeClr val="lt1"/>
-          </a:fontRef>
-        </p:style>
-        <p:txBody>
-          <a:bodyPr rtlCol="0" anchor="ctr"/>
-          <a:lstStyle/>
-          <a:p>
-            <a:pPr algn="ctr"/>
+            <a:r>
+              <a:rPr lang="zh-CN" altLang="en-US" dirty="0" smtClean="0"/>
+              <a:t>数据</a:t>
+            </a:r>
+            <a:r>
+              <a:rPr lang="zh-CN" altLang="en-US" dirty="0"/>
+              <a:t>存储</a:t>
+            </a:r>
+            <a:endParaRPr lang="zh-CN" altLang="en-US" dirty="0"/>
+          </a:p>
+        </p:txBody>
+      </p:sp>
+      <p:sp>
+        <p:nvSpPr>
+          <p:cNvPr id="3" name="内容占位符 2"/>
+          <p:cNvSpPr>
+            <a:spLocks noGrp="1"/>
+          </p:cNvSpPr>
+          <p:nvPr>
+            <p:ph idx="1"/>
+          </p:nvPr>
+        </p:nvSpPr>
+        <p:spPr/>
+        <p:txBody>
+          <a:bodyPr/>
+          <a:lstStyle/>
+          <a:p>
+            <a:r>
+              <a:rPr lang="zh-CN" altLang="en-US" dirty="0" smtClean="0"/>
+              <a:t>所有的资源跟随用户，可以被共享给其他用户。</a:t>
+            </a:r>
+            <a:endParaRPr lang="en-US" altLang="zh-CN" dirty="0" smtClean="0"/>
+          </a:p>
+          <a:p>
+            <a:r>
+              <a:rPr lang="zh-CN" altLang="en-US" dirty="0" smtClean="0"/>
+              <a:t>根据一个</a:t>
+            </a:r>
             <a:r>
               <a:rPr lang="en-US" altLang="zh-CN" dirty="0" smtClean="0"/>
-              <a:t>3D</a:t>
+              <a:t>GUID</a:t>
             </a:r>
             <a:r>
               <a:rPr lang="zh-CN" altLang="en-US" dirty="0" smtClean="0"/>
-              <a:t>模型文件</a:t>
-            </a:r>
-            <a:endParaRPr lang="zh-CN" altLang="en-US" dirty="0"/>
-          </a:p>
-        </p:txBody>
-      </p:sp>
-      <p:sp>
-        <p:nvSpPr>
-          <p:cNvPr id="5" name="圆角矩形 4"/>
-          <p:cNvSpPr/>
-          <p:nvPr/>
-        </p:nvSpPr>
-        <p:spPr>
-          <a:xfrm>
-            <a:off x="7350037" y="2882535"/>
-            <a:ext cx="1724297" cy="461555"/>
-          </a:xfrm>
-          <a:prstGeom prst="roundRect">
-            <a:avLst/>
-          </a:prstGeom>
-        </p:spPr>
-        <p:style>
-          <a:lnRef idx="2">
-            <a:schemeClr val="accent1">
-              <a:shade val="50000"/>
-            </a:schemeClr>
-          </a:lnRef>
-          <a:fillRef idx="1">
-            <a:schemeClr val="accent1"/>
-          </a:fillRef>
-          <a:effectRef idx="0">
-            <a:schemeClr val="accent1"/>
-          </a:effectRef>
-          <a:fontRef idx="minor">
-            <a:schemeClr val="lt1"/>
-          </a:fontRef>
-        </p:style>
-        <p:txBody>
-          <a:bodyPr rtlCol="0" anchor="ctr"/>
-          <a:lstStyle/>
-          <a:p>
-            <a:pPr algn="ctr"/>
+              <a:t>能够获得指定资源，并且获得类型等相关描述。</a:t>
+            </a:r>
+            <a:endParaRPr lang="en-US" altLang="zh-CN" dirty="0" smtClean="0"/>
+          </a:p>
+          <a:p>
             <a:r>
               <a:rPr lang="zh-CN" altLang="en-US" dirty="0" smtClean="0"/>
-              <a:t>内容服务器</a:t>
-            </a:r>
-            <a:endParaRPr lang="zh-CN" altLang="en-US" dirty="0"/>
-          </a:p>
-        </p:txBody>
-      </p:sp>
-      <p:sp>
-        <p:nvSpPr>
-          <p:cNvPr id="6" name="圆角矩形 5"/>
-          <p:cNvSpPr/>
-          <p:nvPr/>
-        </p:nvSpPr>
-        <p:spPr>
-          <a:xfrm>
-            <a:off x="8460694" y="3713421"/>
-            <a:ext cx="3047997" cy="461555"/>
-          </a:xfrm>
-          <a:prstGeom prst="roundRect">
-            <a:avLst/>
-          </a:prstGeom>
-        </p:spPr>
-        <p:style>
-          <a:lnRef idx="2">
-            <a:schemeClr val="accent1">
-              <a:shade val="50000"/>
-            </a:schemeClr>
-          </a:lnRef>
-          <a:fillRef idx="1">
-            <a:schemeClr val="accent1"/>
-          </a:fillRef>
-          <a:effectRef idx="0">
-            <a:schemeClr val="accent1"/>
-          </a:effectRef>
-          <a:fontRef idx="minor">
-            <a:schemeClr val="lt1"/>
-          </a:fontRef>
-        </p:style>
-        <p:txBody>
-          <a:bodyPr rtlCol="0" anchor="ctr"/>
-          <a:lstStyle/>
-          <a:p>
-            <a:pPr algn="ctr"/>
+              <a:t>根据完整</a:t>
+            </a:r>
+            <a:r>
+              <a:rPr lang="en-US" altLang="zh-CN" dirty="0" smtClean="0"/>
+              <a:t>CODE</a:t>
+            </a:r>
+            <a:r>
+              <a:rPr lang="zh-CN" altLang="en-US" dirty="0" smtClean="0"/>
+              <a:t>能够获得指定资源。</a:t>
+            </a:r>
+            <a:endParaRPr lang="en-US" altLang="zh-CN" dirty="0"/>
+          </a:p>
+          <a:p>
+            <a:pPr lvl="1"/>
+            <a:r>
+              <a:rPr lang="en-US" altLang="zh-CN" dirty="0" smtClean="0"/>
+              <a:t>User/Project/Code</a:t>
+            </a:r>
+            <a:r>
+              <a:rPr lang="zh-CN" altLang="en-US" dirty="0" smtClean="0"/>
+              <a:t>：</a:t>
+            </a:r>
+            <a:r>
+              <a:rPr lang="en-US" altLang="zh-CN" dirty="0" smtClean="0"/>
+              <a:t>Project</a:t>
+            </a:r>
+            <a:r>
+              <a:rPr lang="zh-CN" altLang="en-US" dirty="0" smtClean="0"/>
+              <a:t>没有的时候为当用用户的，代码用来查找使用，可以为空，可以重复</a:t>
+            </a:r>
+            <a:endParaRPr lang="en-US" altLang="zh-CN" dirty="0" smtClean="0"/>
+          </a:p>
+          <a:p>
+            <a:r>
+              <a:rPr lang="zh-CN" altLang="en-US" dirty="0" smtClean="0"/>
+              <a:t>可以根据用户</a:t>
+            </a:r>
             <a:r>
               <a:rPr lang="en-US" altLang="zh-CN" dirty="0" smtClean="0"/>
               <a:t>/</a:t>
             </a:r>
             <a:r>
               <a:rPr lang="zh-CN" altLang="en-US" dirty="0" smtClean="0"/>
-              <a:t>用户</a:t>
-            </a:r>
-            <a:r>
-              <a:rPr lang="en-US" altLang="zh-CN" dirty="0" smtClean="0"/>
-              <a:t>/</a:t>
-            </a:r>
+              <a:t>项目查找</a:t>
+            </a:r>
+            <a:endParaRPr lang="en-US" altLang="zh-CN" dirty="0" smtClean="0"/>
+          </a:p>
+          <a:p>
             <a:r>
               <a:rPr lang="zh-CN" altLang="en-US" dirty="0" smtClean="0"/>
-              <a:t>项目</a:t>
-            </a:r>
-            <a:r>
-              <a:rPr lang="en-US" altLang="zh-CN" dirty="0" smtClean="0"/>
-              <a:t>/</a:t>
-            </a:r>
-            <a:r>
-              <a:rPr lang="zh-CN" altLang="en-US" dirty="0" smtClean="0"/>
-              <a:t>文件</a:t>
-            </a:r>
-            <a:endParaRPr lang="zh-CN" altLang="en-US" dirty="0"/>
-          </a:p>
-        </p:txBody>
-      </p:sp>
-      <p:sp>
-        <p:nvSpPr>
-          <p:cNvPr id="7" name="圆角矩形 6"/>
-          <p:cNvSpPr/>
-          <p:nvPr/>
-        </p:nvSpPr>
-        <p:spPr>
-          <a:xfrm>
-            <a:off x="4036424" y="2882534"/>
-            <a:ext cx="1724297" cy="461555"/>
-          </a:xfrm>
-          <a:prstGeom prst="roundRect">
-            <a:avLst/>
-          </a:prstGeom>
-        </p:spPr>
-        <p:style>
-          <a:lnRef idx="2">
-            <a:schemeClr val="accent1">
-              <a:shade val="50000"/>
-            </a:schemeClr>
-          </a:lnRef>
-          <a:fillRef idx="1">
-            <a:schemeClr val="accent1"/>
-          </a:fillRef>
-          <a:effectRef idx="0">
-            <a:schemeClr val="accent1"/>
-          </a:effectRef>
-          <a:fontRef idx="minor">
-            <a:schemeClr val="lt1"/>
-          </a:fontRef>
-        </p:style>
-        <p:txBody>
-          <a:bodyPr rtlCol="0" anchor="ctr"/>
-          <a:lstStyle/>
-          <a:p>
-            <a:pPr algn="ctr"/>
-            <a:r>
-              <a:rPr lang="zh-CN" altLang="en-US" dirty="0" smtClean="0"/>
-              <a:t>前端服务器</a:t>
-            </a:r>
-            <a:endParaRPr lang="zh-CN" altLang="en-US" dirty="0"/>
-          </a:p>
-        </p:txBody>
-      </p:sp>
-      <p:cxnSp>
-        <p:nvCxnSpPr>
-          <p:cNvPr id="9" name="直接箭头连接符 8"/>
-          <p:cNvCxnSpPr>
-            <a:stCxn id="4" idx="3"/>
-            <a:endCxn id="7" idx="1"/>
-          </p:cNvCxnSpPr>
-          <p:nvPr/>
-        </p:nvCxnSpPr>
-        <p:spPr>
-          <a:xfrm>
-            <a:off x="2447109" y="3113312"/>
-            <a:ext cx="1589315" cy="0"/>
-          </a:xfrm>
-          <a:prstGeom prst="straightConnector1">
-            <a:avLst/>
-          </a:prstGeom>
-          <a:ln w="12700">
-            <a:headEnd w="med" len="lg"/>
-            <a:tailEnd type="triangle" w="med" len="lg"/>
-          </a:ln>
-        </p:spPr>
-        <p:style>
-          <a:lnRef idx="1">
-            <a:schemeClr val="accent1"/>
-          </a:lnRef>
-          <a:fillRef idx="0">
-            <a:schemeClr val="accent1"/>
-          </a:fillRef>
-          <a:effectRef idx="0">
-            <a:schemeClr val="accent1"/>
-          </a:effectRef>
-          <a:fontRef idx="minor">
-            <a:schemeClr val="tx1"/>
-          </a:fontRef>
-        </p:style>
-      </p:cxnSp>
-      <p:sp>
-        <p:nvSpPr>
-          <p:cNvPr id="10" name="文本框 9"/>
-          <p:cNvSpPr txBox="1"/>
-          <p:nvPr/>
-        </p:nvSpPr>
-        <p:spPr>
-          <a:xfrm>
-            <a:off x="2772609" y="2443925"/>
-            <a:ext cx="1107996" cy="369332"/>
-          </a:xfrm>
-          <a:prstGeom prst="rect">
-            <a:avLst/>
-          </a:prstGeom>
-          <a:noFill/>
-        </p:spPr>
-        <p:txBody>
-          <a:bodyPr wrap="none" rtlCol="0">
-            <a:spAutoFit/>
-          </a:bodyPr>
-          <a:lstStyle/>
-          <a:p>
-            <a:r>
-              <a:rPr lang="zh-CN" altLang="en-US" dirty="0" smtClean="0"/>
-              <a:t>解析数据</a:t>
-            </a:r>
-            <a:endParaRPr lang="zh-CN" altLang="en-US" dirty="0"/>
-          </a:p>
-        </p:txBody>
-      </p:sp>
-      <p:cxnSp>
-        <p:nvCxnSpPr>
-          <p:cNvPr id="11" name="直接箭头连接符 10"/>
-          <p:cNvCxnSpPr>
-            <a:stCxn id="7" idx="3"/>
-            <a:endCxn id="5" idx="1"/>
-          </p:cNvCxnSpPr>
-          <p:nvPr/>
-        </p:nvCxnSpPr>
-        <p:spPr>
-          <a:xfrm>
-            <a:off x="5760721" y="3113312"/>
-            <a:ext cx="1589316" cy="1"/>
-          </a:xfrm>
-          <a:prstGeom prst="straightConnector1">
-            <a:avLst/>
-          </a:prstGeom>
-          <a:ln w="12700">
-            <a:headEnd w="med" len="lg"/>
-            <a:tailEnd type="triangle" w="med" len="lg"/>
-          </a:ln>
-        </p:spPr>
-        <p:style>
-          <a:lnRef idx="1">
-            <a:schemeClr val="accent1"/>
-          </a:lnRef>
-          <a:fillRef idx="0">
-            <a:schemeClr val="accent1"/>
-          </a:fillRef>
-          <a:effectRef idx="0">
-            <a:schemeClr val="accent1"/>
-          </a:effectRef>
-          <a:fontRef idx="minor">
-            <a:schemeClr val="tx1"/>
-          </a:fontRef>
-        </p:style>
-      </p:cxnSp>
-      <p:sp>
-        <p:nvSpPr>
-          <p:cNvPr id="14" name="文本框 13"/>
-          <p:cNvSpPr txBox="1"/>
-          <p:nvPr/>
-        </p:nvSpPr>
-        <p:spPr>
-          <a:xfrm>
-            <a:off x="5655132" y="2513203"/>
-            <a:ext cx="1800493" cy="369332"/>
-          </a:xfrm>
-          <a:prstGeom prst="rect">
-            <a:avLst/>
-          </a:prstGeom>
-          <a:noFill/>
-        </p:spPr>
-        <p:txBody>
-          <a:bodyPr wrap="none" rtlCol="0">
-            <a:spAutoFit/>
-          </a:bodyPr>
-          <a:lstStyle/>
-          <a:p>
-            <a:r>
-              <a:rPr lang="zh-CN" altLang="en-US" dirty="0"/>
-              <a:t>上</a:t>
-            </a:r>
-            <a:r>
-              <a:rPr lang="zh-CN" altLang="en-US" dirty="0" smtClean="0"/>
-              <a:t>传标准化数据</a:t>
-            </a:r>
-            <a:endParaRPr lang="zh-CN" altLang="en-US" dirty="0"/>
-          </a:p>
-        </p:txBody>
-      </p:sp>
-      <p:cxnSp>
-        <p:nvCxnSpPr>
-          <p:cNvPr id="15" name="直接箭头连接符 14"/>
-          <p:cNvCxnSpPr>
-            <a:stCxn id="5" idx="2"/>
-            <a:endCxn id="6" idx="1"/>
-          </p:cNvCxnSpPr>
-          <p:nvPr/>
-        </p:nvCxnSpPr>
-        <p:spPr>
-          <a:xfrm rot="16200000" flipH="1">
-            <a:off x="8036386" y="3519890"/>
-            <a:ext cx="600109" cy="248508"/>
-          </a:xfrm>
-          <a:prstGeom prst="bentConnector2">
-            <a:avLst/>
-          </a:prstGeom>
-          <a:ln w="12700">
-            <a:headEnd w="med" len="lg"/>
-            <a:tailEnd type="triangle" w="med" len="lg"/>
-          </a:ln>
-        </p:spPr>
-        <p:style>
-          <a:lnRef idx="1">
-            <a:schemeClr val="accent1"/>
-          </a:lnRef>
-          <a:fillRef idx="0">
-            <a:schemeClr val="accent1"/>
-          </a:fillRef>
-          <a:effectRef idx="0">
-            <a:schemeClr val="accent1"/>
-          </a:effectRef>
-          <a:fontRef idx="minor">
-            <a:schemeClr val="tx1"/>
-          </a:fontRef>
-        </p:style>
-      </p:cxnSp>
-      <p:sp>
-        <p:nvSpPr>
-          <p:cNvPr id="19" name="圆角矩形 18"/>
-          <p:cNvSpPr/>
-          <p:nvPr/>
-        </p:nvSpPr>
-        <p:spPr>
-          <a:xfrm>
-            <a:off x="8460694" y="4439285"/>
-            <a:ext cx="3047997" cy="461555"/>
-          </a:xfrm>
-          <a:prstGeom prst="roundRect">
-            <a:avLst/>
-          </a:prstGeom>
-        </p:spPr>
-        <p:style>
-          <a:lnRef idx="2">
-            <a:schemeClr val="accent1">
-              <a:shade val="50000"/>
-            </a:schemeClr>
-          </a:lnRef>
-          <a:fillRef idx="1">
-            <a:schemeClr val="accent1"/>
-          </a:fillRef>
-          <a:effectRef idx="0">
-            <a:schemeClr val="accent1"/>
-          </a:effectRef>
-          <a:fontRef idx="minor">
-            <a:schemeClr val="lt1"/>
-          </a:fontRef>
-        </p:style>
-        <p:txBody>
-          <a:bodyPr rtlCol="0" anchor="ctr"/>
-          <a:lstStyle/>
-          <a:p>
-            <a:pPr algn="ctr"/>
-            <a:r>
-              <a:rPr lang="zh-CN" altLang="en-US" dirty="0" smtClean="0"/>
-              <a:t>数据库</a:t>
-            </a:r>
-            <a:endParaRPr lang="zh-CN" altLang="en-US" dirty="0"/>
-          </a:p>
-        </p:txBody>
-      </p:sp>
-      <p:cxnSp>
-        <p:nvCxnSpPr>
-          <p:cNvPr id="20" name="直接箭头连接符 14"/>
-          <p:cNvCxnSpPr>
-            <a:stCxn id="5" idx="2"/>
-            <a:endCxn id="19" idx="1"/>
-          </p:cNvCxnSpPr>
-          <p:nvPr/>
-        </p:nvCxnSpPr>
-        <p:spPr>
-          <a:xfrm rot="16200000" flipH="1">
-            <a:off x="7673454" y="3882822"/>
-            <a:ext cx="1325973" cy="248508"/>
-          </a:xfrm>
-          <a:prstGeom prst="bentConnector2">
-            <a:avLst/>
-          </a:prstGeom>
-          <a:ln w="12700">
-            <a:headEnd w="med" len="lg"/>
-            <a:tailEnd type="triangle" w="med" len="lg"/>
-          </a:ln>
-        </p:spPr>
-        <p:style>
-          <a:lnRef idx="1">
-            <a:schemeClr val="accent1"/>
-          </a:lnRef>
-          <a:fillRef idx="0">
-            <a:schemeClr val="accent1"/>
-          </a:fillRef>
-          <a:effectRef idx="0">
-            <a:schemeClr val="accent1"/>
-          </a:effectRef>
-          <a:fontRef idx="minor">
-            <a:schemeClr val="tx1"/>
-          </a:fontRef>
-        </p:style>
-      </p:cxnSp>
+              <a:t>资源可以放在指定的虚拟目录下。</a:t>
+            </a:r>
+            <a:endParaRPr lang="en-US" altLang="zh-CN" dirty="0" smtClean="0"/>
+          </a:p>
+        </p:txBody>
+      </p:sp>
     </p:spTree>
     <p:extLst>
       <p:ext uri="{BB962C8B-B14F-4D97-AF65-F5344CB8AC3E}">
-        <p14:creationId xmlns:p14="http://schemas.microsoft.com/office/powerpoint/2010/main" val="109337683"/>
+        <p14:creationId xmlns:p14="http://schemas.microsoft.com/office/powerpoint/2010/main" val="932633176"/>
       </p:ext>
     </p:extLst>
   </p:cSld>
@@ -3915,24 +3564,20 @@
           <a:bodyPr/>
           <a:lstStyle/>
           <a:p>
-            <a:r>
-              <a:rPr lang="zh-CN" altLang="en-US" dirty="0" smtClean="0"/>
-              <a:t>存储方式</a:t>
-            </a:r>
-            <a:endParaRPr lang="zh-CN" altLang="en-US" dirty="0"/>
-          </a:p>
-        </p:txBody>
-      </p:sp>
-      <p:sp>
-        <p:nvSpPr>
-          <p:cNvPr id="16" name="圆角矩形 15"/>
+            <a:endParaRPr lang="zh-CN" altLang="en-US"/>
+          </a:p>
+        </p:txBody>
+      </p:sp>
+      <p:sp>
+        <p:nvSpPr>
+          <p:cNvPr id="4" name="圆角矩形 3"/>
           <p:cNvSpPr/>
           <p:nvPr/>
         </p:nvSpPr>
         <p:spPr>
           <a:xfrm>
-            <a:off x="711862" y="1538383"/>
-            <a:ext cx="2220692" cy="423164"/>
+            <a:off x="722812" y="2882534"/>
+            <a:ext cx="1724297" cy="461555"/>
           </a:xfrm>
           <a:prstGeom prst="roundRect">
             <a:avLst/>
@@ -3958,24 +3603,29 @@
           <a:bodyPr rtlCol="0" anchor="ctr"/>
           <a:lstStyle/>
           <a:p>
-            <a:r>
-              <a:rPr lang="zh-CN" altLang="en-US" sz="1400" dirty="0" smtClean="0"/>
-              <a:t>网站</a:t>
-            </a:r>
-            <a:endParaRPr lang="zh-CN" altLang="en-US" sz="1400" dirty="0"/>
-          </a:p>
-        </p:txBody>
-      </p:sp>
-      <p:sp>
-        <p:nvSpPr>
-          <p:cNvPr id="21" name="圆角矩形 20"/>
+            <a:pPr algn="ctr"/>
+            <a:r>
+              <a:rPr lang="en-US" altLang="zh-CN" dirty="0" smtClean="0"/>
+              <a:t>3D</a:t>
+            </a:r>
+            <a:r>
+              <a:rPr lang="zh-CN" altLang="en-US" dirty="0" smtClean="0"/>
+              <a:t>模型文件</a:t>
+            </a:r>
+            <a:endParaRPr lang="zh-CN" altLang="en-US" dirty="0"/>
+          </a:p>
+        </p:txBody>
+      </p:sp>
+      <p:sp>
+        <p:nvSpPr>
+          <p:cNvPr id="5" name="圆角矩形 4"/>
           <p:cNvSpPr/>
           <p:nvPr/>
         </p:nvSpPr>
         <p:spPr>
           <a:xfrm>
-            <a:off x="2452413" y="2173076"/>
-            <a:ext cx="3137683" cy="423164"/>
+            <a:off x="7350037" y="2882535"/>
+            <a:ext cx="1724297" cy="461555"/>
           </a:xfrm>
           <a:prstGeom prst="roundRect">
             <a:avLst/>
@@ -4001,61 +3651,25 @@
           <a:bodyPr rtlCol="0" anchor="ctr"/>
           <a:lstStyle/>
           <a:p>
-            <a:r>
-              <a:rPr lang="zh-CN" altLang="en-US" sz="1400" dirty="0" smtClean="0"/>
-              <a:t>人员</a:t>
-            </a:r>
-            <a:endParaRPr lang="zh-CN" altLang="en-US" sz="1400" dirty="0"/>
-          </a:p>
-        </p:txBody>
-      </p:sp>
-      <p:cxnSp>
-        <p:nvCxnSpPr>
-          <p:cNvPr id="26" name="直接箭头连接符 14"/>
-          <p:cNvCxnSpPr>
-            <a:stCxn id="16" idx="2"/>
-            <a:endCxn id="21" idx="1"/>
-          </p:cNvCxnSpPr>
-          <p:nvPr/>
-        </p:nvCxnSpPr>
-        <p:spPr>
-          <a:xfrm rot="16200000" flipH="1">
-            <a:off x="1925755" y="1857999"/>
-            <a:ext cx="423111" cy="630205"/>
-          </a:xfrm>
-          <a:prstGeom prst="bentConnector2">
-            <a:avLst/>
-          </a:prstGeom>
-          <a:ln w="12700">
-            <a:headEnd w="med" len="lg"/>
-            <a:tailEnd type="none" w="med" len="lg"/>
-          </a:ln>
-        </p:spPr>
-        <p:style>
-          <a:lnRef idx="1">
-            <a:schemeClr val="accent1"/>
-          </a:lnRef>
-          <a:fillRef idx="0">
-            <a:schemeClr val="accent1"/>
-          </a:fillRef>
-          <a:effectRef idx="0">
-            <a:schemeClr val="accent1"/>
-          </a:effectRef>
-          <a:fontRef idx="minor">
-            <a:schemeClr val="tx1"/>
-          </a:fontRef>
-        </p:style>
-      </p:cxnSp>
-      <p:sp>
-        <p:nvSpPr>
-          <p:cNvPr id="45" name="圆角矩形 44"/>
+            <a:pPr algn="ctr"/>
+            <a:r>
+              <a:rPr lang="zh-CN" altLang="en-US" dirty="0" smtClean="0"/>
+              <a:t>内容服务器</a:t>
+            </a:r>
+            <a:endParaRPr lang="zh-CN" altLang="en-US" dirty="0"/>
+          </a:p>
+        </p:txBody>
+      </p:sp>
+      <p:sp>
+        <p:nvSpPr>
+          <p:cNvPr id="6" name="圆角矩形 5"/>
           <p:cNvSpPr/>
           <p:nvPr/>
         </p:nvSpPr>
         <p:spPr>
           <a:xfrm>
-            <a:off x="5299305" y="2807769"/>
-            <a:ext cx="3137683" cy="423164"/>
+            <a:off x="8460694" y="3713421"/>
+            <a:ext cx="3047997" cy="461555"/>
           </a:xfrm>
           <a:prstGeom prst="roundRect">
             <a:avLst/>
@@ -4081,34 +3695,99 @@
           <a:bodyPr rtlCol="0" anchor="ctr"/>
           <a:lstStyle/>
           <a:p>
-            <a:r>
-              <a:rPr lang="zh-CN" altLang="en-US" sz="1400" dirty="0" smtClean="0"/>
+            <a:pPr algn="ctr"/>
+            <a:r>
+              <a:rPr lang="en-US" altLang="zh-CN" dirty="0" smtClean="0"/>
+              <a:t>/</a:t>
+            </a:r>
+            <a:r>
+              <a:rPr lang="zh-CN" altLang="en-US" dirty="0" smtClean="0"/>
+              <a:t>用户</a:t>
+            </a:r>
+            <a:r>
+              <a:rPr lang="en-US" altLang="zh-CN" dirty="0" smtClean="0"/>
+              <a:t>/</a:t>
+            </a:r>
+            <a:r>
+              <a:rPr lang="zh-CN" altLang="en-US" dirty="0" smtClean="0"/>
               <a:t>项目</a:t>
             </a:r>
-            <a:endParaRPr lang="zh-CN" altLang="en-US" sz="1400" dirty="0"/>
+            <a:r>
+              <a:rPr lang="en-US" altLang="zh-CN" dirty="0" smtClean="0"/>
+              <a:t>/</a:t>
+            </a:r>
+            <a:r>
+              <a:rPr lang="zh-CN" altLang="en-US" dirty="0" smtClean="0"/>
+              <a:t>文件</a:t>
+            </a:r>
+            <a:endParaRPr lang="zh-CN" altLang="en-US" dirty="0"/>
+          </a:p>
+        </p:txBody>
+      </p:sp>
+      <p:sp>
+        <p:nvSpPr>
+          <p:cNvPr id="7" name="圆角矩形 6"/>
+          <p:cNvSpPr/>
+          <p:nvPr/>
+        </p:nvSpPr>
+        <p:spPr>
+          <a:xfrm>
+            <a:off x="4036424" y="2882534"/>
+            <a:ext cx="1724297" cy="461555"/>
+          </a:xfrm>
+          <a:prstGeom prst="roundRect">
+            <a:avLst/>
+          </a:prstGeom>
+        </p:spPr>
+        <p:style>
+          <a:lnRef idx="2">
+            <a:schemeClr val="accent1">
+              <a:shade val="50000"/>
+            </a:schemeClr>
+          </a:lnRef>
+          <a:fillRef idx="1">
+            <a:schemeClr val="accent1"/>
+          </a:fillRef>
+          <a:effectRef idx="0">
+            <a:schemeClr val="accent1"/>
+          </a:effectRef>
+          <a:fontRef idx="minor">
+            <a:schemeClr val="lt1"/>
+          </a:fontRef>
+        </p:style>
+        <p:txBody>
+          <a:bodyPr rtlCol="0" anchor="ctr"/>
+          <a:lstStyle/>
+          <a:p>
+            <a:pPr algn="ctr"/>
+            <a:r>
+              <a:rPr lang="zh-CN" altLang="en-US" dirty="0" smtClean="0"/>
+              <a:t>前端服务器</a:t>
+            </a:r>
+            <a:endParaRPr lang="zh-CN" altLang="en-US" dirty="0"/>
           </a:p>
         </p:txBody>
       </p:sp>
       <p:cxnSp>
         <p:nvCxnSpPr>
-          <p:cNvPr id="46" name="直接箭头连接符 14"/>
+          <p:cNvPr id="9" name="直接箭头连接符 8"/>
           <p:cNvCxnSpPr>
-            <a:stCxn id="21" idx="2"/>
-            <a:endCxn id="45" idx="1"/>
+            <a:stCxn id="4" idx="3"/>
+            <a:endCxn id="7" idx="1"/>
           </p:cNvCxnSpPr>
           <p:nvPr/>
         </p:nvCxnSpPr>
         <p:spPr>
-          <a:xfrm rot="16200000" flipH="1">
-            <a:off x="4448725" y="2168770"/>
-            <a:ext cx="423111" cy="1278050"/>
-          </a:xfrm>
-          <a:prstGeom prst="bentConnector2">
+          <a:xfrm>
+            <a:off x="2447109" y="3113312"/>
+            <a:ext cx="1589315" cy="0"/>
+          </a:xfrm>
+          <a:prstGeom prst="straightConnector1">
             <a:avLst/>
           </a:prstGeom>
           <a:ln w="12700">
             <a:headEnd w="med" len="lg"/>
-            <a:tailEnd type="none" w="med" len="lg"/>
+            <a:tailEnd type="triangle" w="med" len="lg"/>
           </a:ln>
         </p:spPr>
         <p:style>
@@ -4128,14 +3807,14 @@
       </p:cxnSp>
       <p:sp>
         <p:nvSpPr>
-          <p:cNvPr id="50" name="文本框 49"/>
+          <p:cNvPr id="10" name="文本框 9"/>
           <p:cNvSpPr txBox="1"/>
           <p:nvPr/>
         </p:nvSpPr>
         <p:spPr>
           <a:xfrm>
-            <a:off x="1043719" y="4102401"/>
-            <a:ext cx="7591233" cy="2031325"/>
+            <a:off x="2772609" y="2443925"/>
+            <a:ext cx="1107996" cy="369332"/>
           </a:xfrm>
           <a:prstGeom prst="rect">
             <a:avLst/>
@@ -4143,132 +3822,212 @@
           <a:noFill/>
         </p:spPr>
         <p:txBody>
-          <a:bodyPr wrap="square" rtlCol="0">
+          <a:bodyPr wrap="none" rtlCol="0">
             <a:spAutoFit/>
           </a:bodyPr>
           <a:lstStyle/>
           <a:p>
             <a:r>
               <a:rPr lang="zh-CN" altLang="en-US" dirty="0" smtClean="0"/>
-              <a:t>人员不能重复，目录以人员</a:t>
-            </a:r>
-            <a:r>
-              <a:rPr lang="en-US" altLang="zh-CN" dirty="0" smtClean="0"/>
-              <a:t>GUID</a:t>
+              <a:t>解析数据</a:t>
+            </a:r>
+            <a:endParaRPr lang="zh-CN" altLang="en-US" dirty="0"/>
+          </a:p>
+        </p:txBody>
+      </p:sp>
+      <p:cxnSp>
+        <p:nvCxnSpPr>
+          <p:cNvPr id="11" name="直接箭头连接符 10"/>
+          <p:cNvCxnSpPr>
+            <a:stCxn id="7" idx="3"/>
+            <a:endCxn id="5" idx="1"/>
+          </p:cNvCxnSpPr>
+          <p:nvPr/>
+        </p:nvCxnSpPr>
+        <p:spPr>
+          <a:xfrm>
+            <a:off x="5760721" y="3113312"/>
+            <a:ext cx="1589316" cy="1"/>
+          </a:xfrm>
+          <a:prstGeom prst="straightConnector1">
+            <a:avLst/>
+          </a:prstGeom>
+          <a:ln w="12700">
+            <a:headEnd w="med" len="lg"/>
+            <a:tailEnd type="triangle" w="med" len="lg"/>
+          </a:ln>
+        </p:spPr>
+        <p:style>
+          <a:lnRef idx="1">
+            <a:schemeClr val="accent1"/>
+          </a:lnRef>
+          <a:fillRef idx="0">
+            <a:schemeClr val="accent1"/>
+          </a:fillRef>
+          <a:effectRef idx="0">
+            <a:schemeClr val="accent1"/>
+          </a:effectRef>
+          <a:fontRef idx="minor">
+            <a:schemeClr val="tx1"/>
+          </a:fontRef>
+        </p:style>
+      </p:cxnSp>
+      <p:sp>
+        <p:nvSpPr>
+          <p:cNvPr id="14" name="文本框 13"/>
+          <p:cNvSpPr txBox="1"/>
+          <p:nvPr/>
+        </p:nvSpPr>
+        <p:spPr>
+          <a:xfrm>
+            <a:off x="5655132" y="2513203"/>
+            <a:ext cx="1800493" cy="369332"/>
+          </a:xfrm>
+          <a:prstGeom prst="rect">
+            <a:avLst/>
+          </a:prstGeom>
+          <a:noFill/>
+        </p:spPr>
+        <p:txBody>
+          <a:bodyPr wrap="none" rtlCol="0">
+            <a:spAutoFit/>
+          </a:bodyPr>
+          <a:lstStyle/>
+          <a:p>
+            <a:r>
+              <a:rPr lang="zh-CN" altLang="en-US" dirty="0"/>
+              <a:t>上</a:t>
             </a:r>
             <a:r>
               <a:rPr lang="zh-CN" altLang="en-US" dirty="0" smtClean="0"/>
-              <a:t>存储</a:t>
-            </a:r>
-            <a:endParaRPr lang="en-US" altLang="zh-CN" dirty="0" smtClean="0"/>
-          </a:p>
-          <a:p>
+              <a:t>传标准化数据</a:t>
+            </a:r>
+            <a:endParaRPr lang="zh-CN" altLang="en-US" dirty="0"/>
+          </a:p>
+        </p:txBody>
+      </p:sp>
+      <p:cxnSp>
+        <p:nvCxnSpPr>
+          <p:cNvPr id="15" name="直接箭头连接符 14"/>
+          <p:cNvCxnSpPr>
+            <a:stCxn id="5" idx="2"/>
+            <a:endCxn id="6" idx="1"/>
+          </p:cNvCxnSpPr>
+          <p:nvPr/>
+        </p:nvCxnSpPr>
+        <p:spPr>
+          <a:xfrm rot="16200000" flipH="1">
+            <a:off x="8036386" y="3519890"/>
+            <a:ext cx="600109" cy="248508"/>
+          </a:xfrm>
+          <a:prstGeom prst="bentConnector2">
+            <a:avLst/>
+          </a:prstGeom>
+          <a:ln w="12700">
+            <a:headEnd w="med" len="lg"/>
+            <a:tailEnd type="triangle" w="med" len="lg"/>
+          </a:ln>
+        </p:spPr>
+        <p:style>
+          <a:lnRef idx="1">
+            <a:schemeClr val="accent1"/>
+          </a:lnRef>
+          <a:fillRef idx="0">
+            <a:schemeClr val="accent1"/>
+          </a:fillRef>
+          <a:effectRef idx="0">
+            <a:schemeClr val="accent1"/>
+          </a:effectRef>
+          <a:fontRef idx="minor">
+            <a:schemeClr val="tx1"/>
+          </a:fontRef>
+        </p:style>
+      </p:cxnSp>
+      <p:sp>
+        <p:nvSpPr>
+          <p:cNvPr id="19" name="圆角矩形 18"/>
+          <p:cNvSpPr/>
+          <p:nvPr/>
+        </p:nvSpPr>
+        <p:spPr>
+          <a:xfrm>
+            <a:off x="8460694" y="4439285"/>
+            <a:ext cx="3047997" cy="461555"/>
+          </a:xfrm>
+          <a:prstGeom prst="roundRect">
+            <a:avLst/>
+          </a:prstGeom>
+        </p:spPr>
+        <p:style>
+          <a:lnRef idx="2">
+            <a:schemeClr val="accent1">
+              <a:shade val="50000"/>
+            </a:schemeClr>
+          </a:lnRef>
+          <a:fillRef idx="1">
+            <a:schemeClr val="accent1"/>
+          </a:fillRef>
+          <a:effectRef idx="0">
+            <a:schemeClr val="accent1"/>
+          </a:effectRef>
+          <a:fontRef idx="minor">
+            <a:schemeClr val="lt1"/>
+          </a:fontRef>
+        </p:style>
+        <p:txBody>
+          <a:bodyPr rtlCol="0" anchor="ctr"/>
+          <a:lstStyle/>
+          <a:p>
+            <a:pPr algn="ctr"/>
             <a:r>
               <a:rPr lang="zh-CN" altLang="en-US" dirty="0" smtClean="0"/>
-              <a:t>同人员的项目不能重复，项目用</a:t>
-            </a:r>
-            <a:r>
-              <a:rPr lang="en-US" altLang="zh-CN" dirty="0" smtClean="0"/>
-              <a:t>GUID</a:t>
-            </a:r>
-            <a:r>
-              <a:rPr lang="zh-CN" altLang="en-US" dirty="0" smtClean="0"/>
-              <a:t>存储</a:t>
-            </a:r>
-            <a:endParaRPr lang="en-US" altLang="zh-CN" dirty="0" smtClean="0"/>
-          </a:p>
-          <a:p>
-            <a:r>
-              <a:rPr lang="zh-CN" altLang="en-US" dirty="0" smtClean="0"/>
-              <a:t>例如：</a:t>
-            </a:r>
-            <a:endParaRPr lang="en-US" altLang="zh-CN" dirty="0" smtClean="0"/>
-          </a:p>
-          <a:p>
-            <a:r>
-              <a:rPr lang="en-US" altLang="zh-CN" dirty="0" smtClean="0"/>
-              <a:t>/content/[</a:t>
-            </a:r>
-            <a:r>
-              <a:rPr lang="en-US" altLang="zh-CN" dirty="0" err="1"/>
-              <a:t>PersonGuid</a:t>
-            </a:r>
-            <a:r>
-              <a:rPr lang="en-US" altLang="zh-CN" dirty="0" smtClean="0"/>
-              <a:t>]</a:t>
-            </a:r>
-            <a:r>
-              <a:rPr lang="zh-CN" altLang="en-US" dirty="0" smtClean="0"/>
-              <a:t>人员代码</a:t>
-            </a:r>
-            <a:r>
-              <a:rPr lang="en-US" altLang="zh-CN" dirty="0" smtClean="0"/>
-              <a:t>/[</a:t>
-            </a:r>
-            <a:r>
-              <a:rPr lang="en-US" altLang="zh-CN" dirty="0" err="1" smtClean="0"/>
-              <a:t>ProjectGuid</a:t>
-            </a:r>
-            <a:r>
-              <a:rPr lang="en-US" altLang="zh-CN" dirty="0" smtClean="0"/>
-              <a:t>]</a:t>
-            </a:r>
-            <a:r>
-              <a:rPr lang="zh-CN" altLang="en-US" dirty="0" smtClean="0"/>
-              <a:t>项目代码</a:t>
-            </a:r>
-            <a:endParaRPr lang="en-US" altLang="zh-CN" dirty="0" smtClean="0"/>
-          </a:p>
-          <a:p>
-            <a:endParaRPr lang="en-US" altLang="zh-CN" dirty="0" smtClean="0"/>
-          </a:p>
-          <a:p>
-            <a:r>
-              <a:rPr lang="zh-CN" altLang="en-US" dirty="0" smtClean="0"/>
-              <a:t>服务器发送的时候，都是通过资源的唯一</a:t>
-            </a:r>
-            <a:r>
-              <a:rPr lang="en-US" altLang="zh-CN" dirty="0" smtClean="0"/>
-              <a:t>GUID</a:t>
-            </a:r>
-            <a:r>
-              <a:rPr lang="zh-CN" altLang="en-US" dirty="0" smtClean="0"/>
-              <a:t>访问。</a:t>
-            </a:r>
-            <a:endParaRPr lang="en-US" altLang="zh-CN" dirty="0" smtClean="0"/>
-          </a:p>
-          <a:p>
-            <a:r>
-              <a:rPr lang="zh-CN" altLang="en-US" dirty="0" smtClean="0"/>
-              <a:t>格式： </a:t>
-            </a:r>
-            <a:r>
-              <a:rPr lang="en-US" altLang="zh-CN" dirty="0" smtClean="0"/>
-              <a:t>[GUID]</a:t>
-            </a:r>
-            <a:r>
-              <a:rPr lang="zh-CN" altLang="en-US" dirty="0" smtClean="0"/>
-              <a:t>代码</a:t>
-            </a:r>
-            <a:r>
-              <a:rPr lang="en-US" altLang="zh-CN" dirty="0" smtClean="0"/>
-              <a:t>(</a:t>
-            </a:r>
-            <a:r>
-              <a:rPr lang="zh-CN" altLang="en-US" dirty="0"/>
-              <a:t>中文</a:t>
-            </a:r>
-            <a:r>
-              <a:rPr lang="en-US" altLang="zh-CN" dirty="0" smtClean="0"/>
-              <a:t>)</a:t>
-            </a:r>
-          </a:p>
-        </p:txBody>
-      </p:sp>
+              <a:t>数据库</a:t>
+            </a:r>
+            <a:endParaRPr lang="zh-CN" altLang="en-US" dirty="0"/>
+          </a:p>
+        </p:txBody>
+      </p:sp>
+      <p:cxnSp>
+        <p:nvCxnSpPr>
+          <p:cNvPr id="20" name="直接箭头连接符 14"/>
+          <p:cNvCxnSpPr>
+            <a:stCxn id="5" idx="2"/>
+            <a:endCxn id="19" idx="1"/>
+          </p:cNvCxnSpPr>
+          <p:nvPr/>
+        </p:nvCxnSpPr>
+        <p:spPr>
+          <a:xfrm rot="16200000" flipH="1">
+            <a:off x="7673454" y="3882822"/>
+            <a:ext cx="1325973" cy="248508"/>
+          </a:xfrm>
+          <a:prstGeom prst="bentConnector2">
+            <a:avLst/>
+          </a:prstGeom>
+          <a:ln w="12700">
+            <a:headEnd w="med" len="lg"/>
+            <a:tailEnd type="triangle" w="med" len="lg"/>
+          </a:ln>
+        </p:spPr>
+        <p:style>
+          <a:lnRef idx="1">
+            <a:schemeClr val="accent1"/>
+          </a:lnRef>
+          <a:fillRef idx="0">
+            <a:schemeClr val="accent1"/>
+          </a:fillRef>
+          <a:effectRef idx="0">
+            <a:schemeClr val="accent1"/>
+          </a:effectRef>
+          <a:fontRef idx="minor">
+            <a:schemeClr val="tx1"/>
+          </a:fontRef>
+        </p:style>
+      </p:cxnSp>
     </p:spTree>
     <p:extLst>
       <p:ext uri="{BB962C8B-B14F-4D97-AF65-F5344CB8AC3E}">
-        <p14:creationId xmlns:p14="http://schemas.microsoft.com/office/powerpoint/2010/main" val="2329471018"/>
+        <p14:creationId xmlns:p14="http://schemas.microsoft.com/office/powerpoint/2010/main" val="109337683"/>
       </p:ext>
     </p:extLst>
   </p:cSld>
@@ -4354,6 +4113,401 @@
           <a:lstStyle/>
           <a:p>
             <a:r>
+              <a:rPr lang="zh-CN" altLang="en-US" sz="1400" dirty="0" smtClean="0"/>
+              <a:t>网站</a:t>
+            </a:r>
+            <a:endParaRPr lang="zh-CN" altLang="en-US" sz="1400" dirty="0"/>
+          </a:p>
+        </p:txBody>
+      </p:sp>
+      <p:sp>
+        <p:nvSpPr>
+          <p:cNvPr id="21" name="圆角矩形 20"/>
+          <p:cNvSpPr/>
+          <p:nvPr/>
+        </p:nvSpPr>
+        <p:spPr>
+          <a:xfrm>
+            <a:off x="2452413" y="2173076"/>
+            <a:ext cx="3137683" cy="423164"/>
+          </a:xfrm>
+          <a:prstGeom prst="roundRect">
+            <a:avLst/>
+          </a:prstGeom>
+        </p:spPr>
+        <p:style>
+          <a:lnRef idx="2">
+            <a:schemeClr val="accent1">
+              <a:shade val="50000"/>
+            </a:schemeClr>
+          </a:lnRef>
+          <a:fillRef idx="1">
+            <a:schemeClr val="accent1"/>
+          </a:fillRef>
+          <a:effectRef idx="0">
+            <a:schemeClr val="accent1"/>
+          </a:effectRef>
+          <a:fontRef idx="minor">
+            <a:schemeClr val="lt1"/>
+          </a:fontRef>
+        </p:style>
+        <p:txBody>
+          <a:bodyPr rtlCol="0" anchor="ctr"/>
+          <a:lstStyle/>
+          <a:p>
+            <a:r>
+              <a:rPr lang="zh-CN" altLang="en-US" sz="1400" dirty="0" smtClean="0"/>
+              <a:t>人员</a:t>
+            </a:r>
+            <a:endParaRPr lang="zh-CN" altLang="en-US" sz="1400" dirty="0"/>
+          </a:p>
+        </p:txBody>
+      </p:sp>
+      <p:cxnSp>
+        <p:nvCxnSpPr>
+          <p:cNvPr id="26" name="直接箭头连接符 14"/>
+          <p:cNvCxnSpPr>
+            <a:stCxn id="16" idx="2"/>
+            <a:endCxn id="21" idx="1"/>
+          </p:cNvCxnSpPr>
+          <p:nvPr/>
+        </p:nvCxnSpPr>
+        <p:spPr>
+          <a:xfrm rot="16200000" flipH="1">
+            <a:off x="1925755" y="1857999"/>
+            <a:ext cx="423111" cy="630205"/>
+          </a:xfrm>
+          <a:prstGeom prst="bentConnector2">
+            <a:avLst/>
+          </a:prstGeom>
+          <a:ln w="12700">
+            <a:headEnd w="med" len="lg"/>
+            <a:tailEnd type="none" w="med" len="lg"/>
+          </a:ln>
+        </p:spPr>
+        <p:style>
+          <a:lnRef idx="1">
+            <a:schemeClr val="accent1"/>
+          </a:lnRef>
+          <a:fillRef idx="0">
+            <a:schemeClr val="accent1"/>
+          </a:fillRef>
+          <a:effectRef idx="0">
+            <a:schemeClr val="accent1"/>
+          </a:effectRef>
+          <a:fontRef idx="minor">
+            <a:schemeClr val="tx1"/>
+          </a:fontRef>
+        </p:style>
+      </p:cxnSp>
+      <p:sp>
+        <p:nvSpPr>
+          <p:cNvPr id="45" name="圆角矩形 44"/>
+          <p:cNvSpPr/>
+          <p:nvPr/>
+        </p:nvSpPr>
+        <p:spPr>
+          <a:xfrm>
+            <a:off x="5299305" y="2807769"/>
+            <a:ext cx="3137683" cy="423164"/>
+          </a:xfrm>
+          <a:prstGeom prst="roundRect">
+            <a:avLst/>
+          </a:prstGeom>
+        </p:spPr>
+        <p:style>
+          <a:lnRef idx="2">
+            <a:schemeClr val="accent1">
+              <a:shade val="50000"/>
+            </a:schemeClr>
+          </a:lnRef>
+          <a:fillRef idx="1">
+            <a:schemeClr val="accent1"/>
+          </a:fillRef>
+          <a:effectRef idx="0">
+            <a:schemeClr val="accent1"/>
+          </a:effectRef>
+          <a:fontRef idx="minor">
+            <a:schemeClr val="lt1"/>
+          </a:fontRef>
+        </p:style>
+        <p:txBody>
+          <a:bodyPr rtlCol="0" anchor="ctr"/>
+          <a:lstStyle/>
+          <a:p>
+            <a:r>
+              <a:rPr lang="zh-CN" altLang="en-US" sz="1400" dirty="0" smtClean="0"/>
+              <a:t>项目</a:t>
+            </a:r>
+            <a:endParaRPr lang="zh-CN" altLang="en-US" sz="1400" dirty="0"/>
+          </a:p>
+        </p:txBody>
+      </p:sp>
+      <p:cxnSp>
+        <p:nvCxnSpPr>
+          <p:cNvPr id="46" name="直接箭头连接符 14"/>
+          <p:cNvCxnSpPr>
+            <a:stCxn id="21" idx="2"/>
+            <a:endCxn id="45" idx="1"/>
+          </p:cNvCxnSpPr>
+          <p:nvPr/>
+        </p:nvCxnSpPr>
+        <p:spPr>
+          <a:xfrm rot="16200000" flipH="1">
+            <a:off x="4448725" y="2168770"/>
+            <a:ext cx="423111" cy="1278050"/>
+          </a:xfrm>
+          <a:prstGeom prst="bentConnector2">
+            <a:avLst/>
+          </a:prstGeom>
+          <a:ln w="12700">
+            <a:headEnd w="med" len="lg"/>
+            <a:tailEnd type="none" w="med" len="lg"/>
+          </a:ln>
+        </p:spPr>
+        <p:style>
+          <a:lnRef idx="1">
+            <a:schemeClr val="accent1"/>
+          </a:lnRef>
+          <a:fillRef idx="0">
+            <a:schemeClr val="accent1"/>
+          </a:fillRef>
+          <a:effectRef idx="0">
+            <a:schemeClr val="accent1"/>
+          </a:effectRef>
+          <a:fontRef idx="minor">
+            <a:schemeClr val="tx1"/>
+          </a:fontRef>
+        </p:style>
+      </p:cxnSp>
+      <p:sp>
+        <p:nvSpPr>
+          <p:cNvPr id="50" name="文本框 49"/>
+          <p:cNvSpPr txBox="1"/>
+          <p:nvPr/>
+        </p:nvSpPr>
+        <p:spPr>
+          <a:xfrm>
+            <a:off x="1043719" y="4102401"/>
+            <a:ext cx="7591233" cy="2031325"/>
+          </a:xfrm>
+          <a:prstGeom prst="rect">
+            <a:avLst/>
+          </a:prstGeom>
+          <a:noFill/>
+        </p:spPr>
+        <p:txBody>
+          <a:bodyPr wrap="square" rtlCol="0">
+            <a:spAutoFit/>
+          </a:bodyPr>
+          <a:lstStyle/>
+          <a:p>
+            <a:r>
+              <a:rPr lang="zh-CN" altLang="en-US" dirty="0" smtClean="0"/>
+              <a:t>人员不能重复，目录以人员</a:t>
+            </a:r>
+            <a:r>
+              <a:rPr lang="en-US" altLang="zh-CN" dirty="0" smtClean="0"/>
+              <a:t>GUID</a:t>
+            </a:r>
+            <a:r>
+              <a:rPr lang="zh-CN" altLang="en-US" dirty="0" smtClean="0"/>
+              <a:t>存储</a:t>
+            </a:r>
+            <a:endParaRPr lang="en-US" altLang="zh-CN" dirty="0" smtClean="0"/>
+          </a:p>
+          <a:p>
+            <a:r>
+              <a:rPr lang="zh-CN" altLang="en-US" dirty="0" smtClean="0"/>
+              <a:t>同人员的项目不能重复，项目用</a:t>
+            </a:r>
+            <a:r>
+              <a:rPr lang="en-US" altLang="zh-CN" dirty="0" smtClean="0"/>
+              <a:t>GUID</a:t>
+            </a:r>
+            <a:r>
+              <a:rPr lang="zh-CN" altLang="en-US" dirty="0" smtClean="0"/>
+              <a:t>存储</a:t>
+            </a:r>
+            <a:endParaRPr lang="en-US" altLang="zh-CN" dirty="0" smtClean="0"/>
+          </a:p>
+          <a:p>
+            <a:r>
+              <a:rPr lang="zh-CN" altLang="en-US" dirty="0" smtClean="0"/>
+              <a:t>例如：</a:t>
+            </a:r>
+            <a:endParaRPr lang="en-US" altLang="zh-CN" dirty="0" smtClean="0"/>
+          </a:p>
+          <a:p>
+            <a:r>
+              <a:rPr lang="en-US" altLang="zh-CN" dirty="0" smtClean="0"/>
+              <a:t>/content/[</a:t>
+            </a:r>
+            <a:r>
+              <a:rPr lang="en-US" altLang="zh-CN" dirty="0" err="1"/>
+              <a:t>PersonGuid</a:t>
+            </a:r>
+            <a:r>
+              <a:rPr lang="en-US" altLang="zh-CN" dirty="0" smtClean="0"/>
+              <a:t>]</a:t>
+            </a:r>
+            <a:r>
+              <a:rPr lang="zh-CN" altLang="en-US" dirty="0" smtClean="0"/>
+              <a:t>人员代码</a:t>
+            </a:r>
+            <a:r>
+              <a:rPr lang="en-US" altLang="zh-CN" dirty="0" smtClean="0"/>
+              <a:t>/[</a:t>
+            </a:r>
+            <a:r>
+              <a:rPr lang="en-US" altLang="zh-CN" dirty="0" err="1" smtClean="0"/>
+              <a:t>ProjectGuid</a:t>
+            </a:r>
+            <a:r>
+              <a:rPr lang="en-US" altLang="zh-CN" dirty="0" smtClean="0"/>
+              <a:t>]</a:t>
+            </a:r>
+            <a:r>
+              <a:rPr lang="zh-CN" altLang="en-US" dirty="0" smtClean="0"/>
+              <a:t>项目代码</a:t>
+            </a:r>
+            <a:endParaRPr lang="en-US" altLang="zh-CN" dirty="0" smtClean="0"/>
+          </a:p>
+          <a:p>
+            <a:endParaRPr lang="en-US" altLang="zh-CN" dirty="0" smtClean="0"/>
+          </a:p>
+          <a:p>
+            <a:r>
+              <a:rPr lang="zh-CN" altLang="en-US" dirty="0" smtClean="0"/>
+              <a:t>服务器发送的时候，都是通过资源的唯一</a:t>
+            </a:r>
+            <a:r>
+              <a:rPr lang="en-US" altLang="zh-CN" dirty="0" smtClean="0"/>
+              <a:t>GUID</a:t>
+            </a:r>
+            <a:r>
+              <a:rPr lang="zh-CN" altLang="en-US" dirty="0" smtClean="0"/>
+              <a:t>访问。</a:t>
+            </a:r>
+            <a:endParaRPr lang="en-US" altLang="zh-CN" dirty="0" smtClean="0"/>
+          </a:p>
+          <a:p>
+            <a:r>
+              <a:rPr lang="zh-CN" altLang="en-US" dirty="0" smtClean="0"/>
+              <a:t>格式： </a:t>
+            </a:r>
+            <a:r>
+              <a:rPr lang="en-US" altLang="zh-CN" dirty="0" smtClean="0"/>
+              <a:t>[GUID]</a:t>
+            </a:r>
+            <a:r>
+              <a:rPr lang="zh-CN" altLang="en-US" dirty="0" smtClean="0"/>
+              <a:t>代码</a:t>
+            </a:r>
+            <a:r>
+              <a:rPr lang="en-US" altLang="zh-CN" dirty="0" smtClean="0"/>
+              <a:t>(</a:t>
+            </a:r>
+            <a:r>
+              <a:rPr lang="zh-CN" altLang="en-US" dirty="0"/>
+              <a:t>中文</a:t>
+            </a:r>
+            <a:r>
+              <a:rPr lang="en-US" altLang="zh-CN" dirty="0" smtClean="0"/>
+              <a:t>)</a:t>
+            </a:r>
+          </a:p>
+        </p:txBody>
+      </p:sp>
+    </p:spTree>
+    <p:extLst>
+      <p:ext uri="{BB962C8B-B14F-4D97-AF65-F5344CB8AC3E}">
+        <p14:creationId xmlns:p14="http://schemas.microsoft.com/office/powerpoint/2010/main" val="2329471018"/>
+      </p:ext>
+    </p:extLst>
+  </p:cSld>
+  <p:clrMapOvr>
+    <a:masterClrMapping/>
+  </p:clrMapOvr>
+</p:sld>
+</file>
+
+<file path=ppt/slides/slide7.xml><?xml version="1.0" encoding="utf-8"?>
+<p:sld xmlns:a="http://schemas.openxmlformats.org/drawingml/2006/main" xmlns:r="http://schemas.openxmlformats.org/officeDocument/2006/relationships" xmlns:p="http://schemas.openxmlformats.org/presentationml/2006/main">
+  <p:cSld>
+    <p:spTree>
+      <p:nvGrpSpPr>
+        <p:cNvPr id="1" name=""/>
+        <p:cNvGrpSpPr/>
+        <p:nvPr/>
+      </p:nvGrpSpPr>
+      <p:grpSpPr>
+        <a:xfrm>
+          <a:off x="0" y="0"/>
+          <a:ext cx="0" cy="0"/>
+          <a:chOff x="0" y="0"/>
+          <a:chExt cx="0" cy="0"/>
+        </a:xfrm>
+      </p:grpSpPr>
+      <p:sp>
+        <p:nvSpPr>
+          <p:cNvPr id="2" name="标题 1"/>
+          <p:cNvSpPr>
+            <a:spLocks noGrp="1"/>
+          </p:cNvSpPr>
+          <p:nvPr>
+            <p:ph type="title"/>
+          </p:nvPr>
+        </p:nvSpPr>
+        <p:spPr/>
+        <p:txBody>
+          <a:bodyPr/>
+          <a:lstStyle/>
+          <a:p>
+            <a:r>
+              <a:rPr lang="zh-CN" altLang="en-US" dirty="0" smtClean="0"/>
+              <a:t>存储方式</a:t>
+            </a:r>
+            <a:endParaRPr lang="zh-CN" altLang="en-US" dirty="0"/>
+          </a:p>
+        </p:txBody>
+      </p:sp>
+      <p:sp>
+        <p:nvSpPr>
+          <p:cNvPr id="16" name="圆角矩形 15"/>
+          <p:cNvSpPr/>
+          <p:nvPr/>
+        </p:nvSpPr>
+        <p:spPr>
+          <a:xfrm>
+            <a:off x="711862" y="1538383"/>
+            <a:ext cx="2220692" cy="423164"/>
+          </a:xfrm>
+          <a:prstGeom prst="roundRect">
+            <a:avLst/>
+          </a:prstGeom>
+        </p:spPr>
+        <p:style>
+          <a:lnRef idx="2">
+            <a:schemeClr val="accent1">
+              <a:shade val="50000"/>
+            </a:schemeClr>
+          </a:lnRef>
+          <a:fillRef idx="1">
+            <a:schemeClr val="accent1"/>
+          </a:fillRef>
+          <a:effectRef idx="0">
+            <a:schemeClr val="accent1"/>
+          </a:effectRef>
+          <a:fontRef idx="minor">
+            <a:schemeClr val="lt1"/>
+          </a:fontRef>
+        </p:style>
+        <p:txBody>
+          <a:bodyPr rtlCol="0" anchor="ctr"/>
+          <a:lstStyle/>
+          <a:p>
+            <a:r>
               <a:rPr lang="en-US" altLang="zh-CN" sz="1400" dirty="0" smtClean="0"/>
               <a:t>/</a:t>
             </a:r>
@@ -5139,6 +5293,953 @@
     <p:extLst>
       <p:ext uri="{BB962C8B-B14F-4D97-AF65-F5344CB8AC3E}">
         <p14:creationId xmlns:p14="http://schemas.microsoft.com/office/powerpoint/2010/main" val="3346836374"/>
+      </p:ext>
+    </p:extLst>
+  </p:cSld>
+  <p:clrMapOvr>
+    <a:masterClrMapping/>
+  </p:clrMapOvr>
+</p:sld>
+</file>
+
+<file path=ppt/slides/slide8.xml><?xml version="1.0" encoding="utf-8"?>
+<p:sld xmlns:a="http://schemas.openxmlformats.org/drawingml/2006/main" xmlns:r="http://schemas.openxmlformats.org/officeDocument/2006/relationships" xmlns:p="http://schemas.openxmlformats.org/presentationml/2006/main">
+  <p:cSld>
+    <p:spTree>
+      <p:nvGrpSpPr>
+        <p:cNvPr id="1" name=""/>
+        <p:cNvGrpSpPr/>
+        <p:nvPr/>
+      </p:nvGrpSpPr>
+      <p:grpSpPr>
+        <a:xfrm>
+          <a:off x="0" y="0"/>
+          <a:ext cx="0" cy="0"/>
+          <a:chOff x="0" y="0"/>
+          <a:chExt cx="0" cy="0"/>
+        </a:xfrm>
+      </p:grpSpPr>
+      <p:sp>
+        <p:nvSpPr>
+          <p:cNvPr id="2" name="标题 1"/>
+          <p:cNvSpPr>
+            <a:spLocks noGrp="1"/>
+          </p:cNvSpPr>
+          <p:nvPr>
+            <p:ph type="title"/>
+          </p:nvPr>
+        </p:nvSpPr>
+        <p:spPr/>
+        <p:txBody>
+          <a:bodyPr/>
+          <a:lstStyle/>
+          <a:p>
+            <a:r>
+              <a:rPr lang="zh-CN" altLang="en-US" dirty="0" smtClean="0"/>
+              <a:t>模型</a:t>
+            </a:r>
+            <a:endParaRPr lang="zh-CN" altLang="en-US" dirty="0"/>
+          </a:p>
+        </p:txBody>
+      </p:sp>
+      <p:sp>
+        <p:nvSpPr>
+          <p:cNvPr id="16" name="圆角矩形 15"/>
+          <p:cNvSpPr/>
+          <p:nvPr/>
+        </p:nvSpPr>
+        <p:spPr>
+          <a:xfrm>
+            <a:off x="711862" y="1538383"/>
+            <a:ext cx="2220692" cy="423164"/>
+          </a:xfrm>
+          <a:prstGeom prst="roundRect">
+            <a:avLst/>
+          </a:prstGeom>
+        </p:spPr>
+        <p:style>
+          <a:lnRef idx="2">
+            <a:schemeClr val="accent1">
+              <a:shade val="50000"/>
+            </a:schemeClr>
+          </a:lnRef>
+          <a:fillRef idx="1">
+            <a:schemeClr val="accent1"/>
+          </a:fillRef>
+          <a:effectRef idx="0">
+            <a:schemeClr val="accent1"/>
+          </a:effectRef>
+          <a:fontRef idx="minor">
+            <a:schemeClr val="lt1"/>
+          </a:fontRef>
+        </p:style>
+        <p:txBody>
+          <a:bodyPr rtlCol="0" anchor="ctr"/>
+          <a:lstStyle/>
+          <a:p>
+            <a:r>
+              <a:rPr lang="en-US" altLang="zh-CN" sz="1400" dirty="0" smtClean="0"/>
+              <a:t>Model</a:t>
+            </a:r>
+            <a:endParaRPr lang="zh-CN" altLang="en-US" sz="1400" dirty="0"/>
+          </a:p>
+        </p:txBody>
+      </p:sp>
+      <p:sp>
+        <p:nvSpPr>
+          <p:cNvPr id="17" name="圆角矩形 16"/>
+          <p:cNvSpPr/>
+          <p:nvPr/>
+        </p:nvSpPr>
+        <p:spPr>
+          <a:xfrm>
+            <a:off x="2452412" y="3405847"/>
+            <a:ext cx="3137683" cy="423164"/>
+          </a:xfrm>
+          <a:prstGeom prst="roundRect">
+            <a:avLst/>
+          </a:prstGeom>
+        </p:spPr>
+        <p:style>
+          <a:lnRef idx="2">
+            <a:schemeClr val="accent1">
+              <a:shade val="50000"/>
+            </a:schemeClr>
+          </a:lnRef>
+          <a:fillRef idx="1">
+            <a:schemeClr val="accent1"/>
+          </a:fillRef>
+          <a:effectRef idx="0">
+            <a:schemeClr val="accent1"/>
+          </a:effectRef>
+          <a:fontRef idx="minor">
+            <a:schemeClr val="lt1"/>
+          </a:fontRef>
+        </p:style>
+        <p:txBody>
+          <a:bodyPr rtlCol="0" anchor="ctr"/>
+          <a:lstStyle/>
+          <a:p>
+            <a:r>
+              <a:rPr lang="en-US" altLang="zh-CN" sz="1400" dirty="0" smtClean="0"/>
+              <a:t>Animations</a:t>
+            </a:r>
+            <a:endParaRPr lang="zh-CN" altLang="en-US" sz="1400" dirty="0"/>
+          </a:p>
+        </p:txBody>
+      </p:sp>
+      <p:sp>
+        <p:nvSpPr>
+          <p:cNvPr id="21" name="圆角矩形 20"/>
+          <p:cNvSpPr/>
+          <p:nvPr/>
+        </p:nvSpPr>
+        <p:spPr>
+          <a:xfrm>
+            <a:off x="2452413" y="2173076"/>
+            <a:ext cx="3137683" cy="423164"/>
+          </a:xfrm>
+          <a:prstGeom prst="roundRect">
+            <a:avLst/>
+          </a:prstGeom>
+        </p:spPr>
+        <p:style>
+          <a:lnRef idx="2">
+            <a:schemeClr val="accent1">
+              <a:shade val="50000"/>
+            </a:schemeClr>
+          </a:lnRef>
+          <a:fillRef idx="1">
+            <a:schemeClr val="accent1"/>
+          </a:fillRef>
+          <a:effectRef idx="0">
+            <a:schemeClr val="accent1"/>
+          </a:effectRef>
+          <a:fontRef idx="minor">
+            <a:schemeClr val="lt1"/>
+          </a:fontRef>
+        </p:style>
+        <p:txBody>
+          <a:bodyPr rtlCol="0" anchor="ctr"/>
+          <a:lstStyle/>
+          <a:p>
+            <a:r>
+              <a:rPr lang="en-US" altLang="zh-CN" sz="1400" dirty="0" err="1" smtClean="0"/>
+              <a:t>Meshs</a:t>
+            </a:r>
+            <a:endParaRPr lang="zh-CN" altLang="en-US" sz="1400" dirty="0"/>
+          </a:p>
+        </p:txBody>
+      </p:sp>
+      <p:sp>
+        <p:nvSpPr>
+          <p:cNvPr id="22" name="圆角矩形 21"/>
+          <p:cNvSpPr/>
+          <p:nvPr/>
+        </p:nvSpPr>
+        <p:spPr>
+          <a:xfrm>
+            <a:off x="2452412" y="2771154"/>
+            <a:ext cx="3137683" cy="423164"/>
+          </a:xfrm>
+          <a:prstGeom prst="roundRect">
+            <a:avLst/>
+          </a:prstGeom>
+        </p:spPr>
+        <p:style>
+          <a:lnRef idx="2">
+            <a:schemeClr val="accent1">
+              <a:shade val="50000"/>
+            </a:schemeClr>
+          </a:lnRef>
+          <a:fillRef idx="1">
+            <a:schemeClr val="accent1"/>
+          </a:fillRef>
+          <a:effectRef idx="0">
+            <a:schemeClr val="accent1"/>
+          </a:effectRef>
+          <a:fontRef idx="minor">
+            <a:schemeClr val="lt1"/>
+          </a:fontRef>
+        </p:style>
+        <p:txBody>
+          <a:bodyPr rtlCol="0" anchor="ctr"/>
+          <a:lstStyle/>
+          <a:p>
+            <a:r>
+              <a:rPr lang="en-US" altLang="zh-CN" sz="1400" dirty="0" smtClean="0"/>
+              <a:t>Skeletons</a:t>
+            </a:r>
+            <a:endParaRPr lang="zh-CN" altLang="en-US" sz="1400" dirty="0"/>
+          </a:p>
+        </p:txBody>
+      </p:sp>
+      <p:sp>
+        <p:nvSpPr>
+          <p:cNvPr id="23" name="圆角矩形 22"/>
+          <p:cNvSpPr/>
+          <p:nvPr/>
+        </p:nvSpPr>
+        <p:spPr>
+          <a:xfrm>
+            <a:off x="4526308" y="3962589"/>
+            <a:ext cx="3137683" cy="423164"/>
+          </a:xfrm>
+          <a:prstGeom prst="roundRect">
+            <a:avLst/>
+          </a:prstGeom>
+        </p:spPr>
+        <p:style>
+          <a:lnRef idx="2">
+            <a:schemeClr val="accent1">
+              <a:shade val="50000"/>
+            </a:schemeClr>
+          </a:lnRef>
+          <a:fillRef idx="1">
+            <a:schemeClr val="accent1"/>
+          </a:fillRef>
+          <a:effectRef idx="0">
+            <a:schemeClr val="accent1"/>
+          </a:effectRef>
+          <a:fontRef idx="minor">
+            <a:schemeClr val="lt1"/>
+          </a:fontRef>
+        </p:style>
+        <p:txBody>
+          <a:bodyPr rtlCol="0" anchor="ctr"/>
+          <a:lstStyle/>
+          <a:p>
+            <a:r>
+              <a:rPr lang="zh-CN" altLang="en-US" sz="1400" dirty="0" smtClean="0"/>
+              <a:t>网格文件</a:t>
+            </a:r>
+            <a:r>
+              <a:rPr lang="en-US" altLang="zh-CN" sz="1400" dirty="0" smtClean="0"/>
+              <a:t>(mesh)</a:t>
+            </a:r>
+            <a:endParaRPr lang="zh-CN" altLang="en-US" sz="1400" dirty="0"/>
+          </a:p>
+        </p:txBody>
+      </p:sp>
+      <p:sp>
+        <p:nvSpPr>
+          <p:cNvPr id="24" name="圆角矩形 23"/>
+          <p:cNvSpPr/>
+          <p:nvPr/>
+        </p:nvSpPr>
+        <p:spPr>
+          <a:xfrm>
+            <a:off x="4526307" y="4531846"/>
+            <a:ext cx="3137683" cy="423164"/>
+          </a:xfrm>
+          <a:prstGeom prst="roundRect">
+            <a:avLst/>
+          </a:prstGeom>
+        </p:spPr>
+        <p:style>
+          <a:lnRef idx="2">
+            <a:schemeClr val="accent1">
+              <a:shade val="50000"/>
+            </a:schemeClr>
+          </a:lnRef>
+          <a:fillRef idx="1">
+            <a:schemeClr val="accent1"/>
+          </a:fillRef>
+          <a:effectRef idx="0">
+            <a:schemeClr val="accent1"/>
+          </a:effectRef>
+          <a:fontRef idx="minor">
+            <a:schemeClr val="lt1"/>
+          </a:fontRef>
+        </p:style>
+        <p:txBody>
+          <a:bodyPr rtlCol="0" anchor="ctr"/>
+          <a:lstStyle/>
+          <a:p>
+            <a:r>
+              <a:rPr lang="zh-CN" altLang="en-US" sz="1400" dirty="0" smtClean="0"/>
+              <a:t>蒙皮文件</a:t>
+            </a:r>
+            <a:r>
+              <a:rPr lang="en-US" altLang="zh-CN" sz="1400" dirty="0" smtClean="0"/>
+              <a:t>(mesh)</a:t>
+            </a:r>
+            <a:endParaRPr lang="zh-CN" altLang="en-US" sz="1400" dirty="0"/>
+          </a:p>
+        </p:txBody>
+      </p:sp>
+      <p:sp>
+        <p:nvSpPr>
+          <p:cNvPr id="25" name="圆角矩形 24"/>
+          <p:cNvSpPr/>
+          <p:nvPr/>
+        </p:nvSpPr>
+        <p:spPr>
+          <a:xfrm>
+            <a:off x="4526306" y="5047253"/>
+            <a:ext cx="3137683" cy="423164"/>
+          </a:xfrm>
+          <a:prstGeom prst="roundRect">
+            <a:avLst/>
+          </a:prstGeom>
+        </p:spPr>
+        <p:style>
+          <a:lnRef idx="2">
+            <a:schemeClr val="accent1">
+              <a:shade val="50000"/>
+            </a:schemeClr>
+          </a:lnRef>
+          <a:fillRef idx="1">
+            <a:schemeClr val="accent1"/>
+          </a:fillRef>
+          <a:effectRef idx="0">
+            <a:schemeClr val="accent1"/>
+          </a:effectRef>
+          <a:fontRef idx="minor">
+            <a:schemeClr val="lt1"/>
+          </a:fontRef>
+        </p:style>
+        <p:txBody>
+          <a:bodyPr rtlCol="0" anchor="ctr"/>
+          <a:lstStyle/>
+          <a:p>
+            <a:r>
+              <a:rPr lang="zh-CN" altLang="en-US" sz="1400" dirty="0" smtClean="0"/>
+              <a:t>动画文件</a:t>
+            </a:r>
+            <a:r>
+              <a:rPr lang="en-US" altLang="zh-CN" sz="1400" dirty="0" smtClean="0"/>
+              <a:t>(animation)</a:t>
+            </a:r>
+            <a:endParaRPr lang="zh-CN" altLang="en-US" sz="1400" dirty="0"/>
+          </a:p>
+        </p:txBody>
+      </p:sp>
+      <p:cxnSp>
+        <p:nvCxnSpPr>
+          <p:cNvPr id="26" name="直接箭头连接符 14"/>
+          <p:cNvCxnSpPr>
+            <a:stCxn id="16" idx="2"/>
+            <a:endCxn id="21" idx="1"/>
+          </p:cNvCxnSpPr>
+          <p:nvPr/>
+        </p:nvCxnSpPr>
+        <p:spPr>
+          <a:xfrm rot="16200000" flipH="1">
+            <a:off x="1925755" y="1857999"/>
+            <a:ext cx="423111" cy="630205"/>
+          </a:xfrm>
+          <a:prstGeom prst="bentConnector2">
+            <a:avLst/>
+          </a:prstGeom>
+          <a:ln w="12700">
+            <a:headEnd w="med" len="lg"/>
+            <a:tailEnd type="none" w="med" len="lg"/>
+          </a:ln>
+        </p:spPr>
+        <p:style>
+          <a:lnRef idx="1">
+            <a:schemeClr val="accent1"/>
+          </a:lnRef>
+          <a:fillRef idx="0">
+            <a:schemeClr val="accent1"/>
+          </a:fillRef>
+          <a:effectRef idx="0">
+            <a:schemeClr val="accent1"/>
+          </a:effectRef>
+          <a:fontRef idx="minor">
+            <a:schemeClr val="tx1"/>
+          </a:fontRef>
+        </p:style>
+      </p:cxnSp>
+      <p:cxnSp>
+        <p:nvCxnSpPr>
+          <p:cNvPr id="27" name="直接箭头连接符 14"/>
+          <p:cNvCxnSpPr>
+            <a:stCxn id="16" idx="2"/>
+            <a:endCxn id="22" idx="1"/>
+          </p:cNvCxnSpPr>
+          <p:nvPr/>
+        </p:nvCxnSpPr>
+        <p:spPr>
+          <a:xfrm rot="16200000" flipH="1">
+            <a:off x="1626716" y="2157039"/>
+            <a:ext cx="1021189" cy="630204"/>
+          </a:xfrm>
+          <a:prstGeom prst="bentConnector2">
+            <a:avLst/>
+          </a:prstGeom>
+          <a:ln w="12700">
+            <a:headEnd w="med" len="lg"/>
+            <a:tailEnd type="none" w="med" len="lg"/>
+          </a:ln>
+        </p:spPr>
+        <p:style>
+          <a:lnRef idx="1">
+            <a:schemeClr val="accent1"/>
+          </a:lnRef>
+          <a:fillRef idx="0">
+            <a:schemeClr val="accent1"/>
+          </a:fillRef>
+          <a:effectRef idx="0">
+            <a:schemeClr val="accent1"/>
+          </a:effectRef>
+          <a:fontRef idx="minor">
+            <a:schemeClr val="tx1"/>
+          </a:fontRef>
+        </p:style>
+      </p:cxnSp>
+      <p:cxnSp>
+        <p:nvCxnSpPr>
+          <p:cNvPr id="28" name="直接箭头连接符 14"/>
+          <p:cNvCxnSpPr>
+            <a:stCxn id="16" idx="2"/>
+            <a:endCxn id="17" idx="1"/>
+          </p:cNvCxnSpPr>
+          <p:nvPr/>
+        </p:nvCxnSpPr>
+        <p:spPr>
+          <a:xfrm rot="16200000" flipH="1">
+            <a:off x="1309369" y="2474386"/>
+            <a:ext cx="1655882" cy="630204"/>
+          </a:xfrm>
+          <a:prstGeom prst="bentConnector2">
+            <a:avLst/>
+          </a:prstGeom>
+          <a:ln w="12700">
+            <a:headEnd w="med" len="lg"/>
+            <a:tailEnd type="none" w="med" len="lg"/>
+          </a:ln>
+        </p:spPr>
+        <p:style>
+          <a:lnRef idx="1">
+            <a:schemeClr val="accent1"/>
+          </a:lnRef>
+          <a:fillRef idx="0">
+            <a:schemeClr val="accent1"/>
+          </a:fillRef>
+          <a:effectRef idx="0">
+            <a:schemeClr val="accent1"/>
+          </a:effectRef>
+          <a:fontRef idx="minor">
+            <a:schemeClr val="tx1"/>
+          </a:fontRef>
+        </p:style>
+      </p:cxnSp>
+      <p:cxnSp>
+        <p:nvCxnSpPr>
+          <p:cNvPr id="34" name="直接箭头连接符 14"/>
+          <p:cNvCxnSpPr>
+            <a:stCxn id="17" idx="2"/>
+            <a:endCxn id="23" idx="1"/>
+          </p:cNvCxnSpPr>
+          <p:nvPr/>
+        </p:nvCxnSpPr>
+        <p:spPr>
+          <a:xfrm rot="16200000" flipH="1">
+            <a:off x="4101201" y="3749064"/>
+            <a:ext cx="345160" cy="505054"/>
+          </a:xfrm>
+          <a:prstGeom prst="bentConnector2">
+            <a:avLst/>
+          </a:prstGeom>
+          <a:ln w="12700">
+            <a:headEnd w="med" len="lg"/>
+            <a:tailEnd type="none" w="med" len="lg"/>
+          </a:ln>
+        </p:spPr>
+        <p:style>
+          <a:lnRef idx="1">
+            <a:schemeClr val="accent1"/>
+          </a:lnRef>
+          <a:fillRef idx="0">
+            <a:schemeClr val="accent1"/>
+          </a:fillRef>
+          <a:effectRef idx="0">
+            <a:schemeClr val="accent1"/>
+          </a:effectRef>
+          <a:fontRef idx="minor">
+            <a:schemeClr val="tx1"/>
+          </a:fontRef>
+        </p:style>
+      </p:cxnSp>
+      <p:cxnSp>
+        <p:nvCxnSpPr>
+          <p:cNvPr id="38" name="直接箭头连接符 14"/>
+          <p:cNvCxnSpPr>
+            <a:stCxn id="17" idx="2"/>
+            <a:endCxn id="24" idx="1"/>
+          </p:cNvCxnSpPr>
+          <p:nvPr/>
+        </p:nvCxnSpPr>
+        <p:spPr>
+          <a:xfrm rot="16200000" flipH="1">
+            <a:off x="3816572" y="4033692"/>
+            <a:ext cx="914417" cy="505053"/>
+          </a:xfrm>
+          <a:prstGeom prst="bentConnector2">
+            <a:avLst/>
+          </a:prstGeom>
+          <a:ln w="12700">
+            <a:headEnd w="med" len="lg"/>
+            <a:tailEnd type="none" w="med" len="lg"/>
+          </a:ln>
+        </p:spPr>
+        <p:style>
+          <a:lnRef idx="1">
+            <a:schemeClr val="accent1"/>
+          </a:lnRef>
+          <a:fillRef idx="0">
+            <a:schemeClr val="accent1"/>
+          </a:fillRef>
+          <a:effectRef idx="0">
+            <a:schemeClr val="accent1"/>
+          </a:effectRef>
+          <a:fontRef idx="minor">
+            <a:schemeClr val="tx1"/>
+          </a:fontRef>
+        </p:style>
+      </p:cxnSp>
+      <p:cxnSp>
+        <p:nvCxnSpPr>
+          <p:cNvPr id="41" name="直接箭头连接符 14"/>
+          <p:cNvCxnSpPr>
+            <a:stCxn id="17" idx="2"/>
+            <a:endCxn id="25" idx="1"/>
+          </p:cNvCxnSpPr>
+          <p:nvPr/>
+        </p:nvCxnSpPr>
+        <p:spPr>
+          <a:xfrm rot="16200000" flipH="1">
+            <a:off x="3558868" y="4291397"/>
+            <a:ext cx="1429824" cy="505052"/>
+          </a:xfrm>
+          <a:prstGeom prst="bentConnector2">
+            <a:avLst/>
+          </a:prstGeom>
+          <a:ln w="12700">
+            <a:headEnd w="med" len="lg"/>
+            <a:tailEnd type="none" w="med" len="lg"/>
+          </a:ln>
+        </p:spPr>
+        <p:style>
+          <a:lnRef idx="1">
+            <a:schemeClr val="accent1"/>
+          </a:lnRef>
+          <a:fillRef idx="0">
+            <a:schemeClr val="accent1"/>
+          </a:fillRef>
+          <a:effectRef idx="0">
+            <a:schemeClr val="accent1"/>
+          </a:effectRef>
+          <a:fontRef idx="minor">
+            <a:schemeClr val="tx1"/>
+          </a:fontRef>
+        </p:style>
+      </p:cxnSp>
+      <p:sp>
+        <p:nvSpPr>
+          <p:cNvPr id="45" name="圆角矩形 44"/>
+          <p:cNvSpPr/>
+          <p:nvPr/>
+        </p:nvSpPr>
+        <p:spPr>
+          <a:xfrm>
+            <a:off x="6726039" y="1440077"/>
+            <a:ext cx="3137683" cy="423164"/>
+          </a:xfrm>
+          <a:prstGeom prst="roundRect">
+            <a:avLst/>
+          </a:prstGeom>
+        </p:spPr>
+        <p:style>
+          <a:lnRef idx="2">
+            <a:schemeClr val="accent1">
+              <a:shade val="50000"/>
+            </a:schemeClr>
+          </a:lnRef>
+          <a:fillRef idx="1">
+            <a:schemeClr val="accent1"/>
+          </a:fillRef>
+          <a:effectRef idx="0">
+            <a:schemeClr val="accent1"/>
+          </a:effectRef>
+          <a:fontRef idx="minor">
+            <a:schemeClr val="lt1"/>
+          </a:fontRef>
+        </p:style>
+        <p:txBody>
+          <a:bodyPr rtlCol="0" anchor="ctr"/>
+          <a:lstStyle/>
+          <a:p>
+            <a:r>
+              <a:rPr lang="en-US" altLang="zh-CN" sz="1400" dirty="0" smtClean="0"/>
+              <a:t>Outline</a:t>
+            </a:r>
+            <a:endParaRPr lang="zh-CN" altLang="en-US" sz="1400" dirty="0"/>
+          </a:p>
+        </p:txBody>
+      </p:sp>
+      <p:sp>
+        <p:nvSpPr>
+          <p:cNvPr id="50" name="文本框 49"/>
+          <p:cNvSpPr txBox="1"/>
+          <p:nvPr/>
+        </p:nvSpPr>
+        <p:spPr>
+          <a:xfrm>
+            <a:off x="934695" y="6238688"/>
+            <a:ext cx="3746538" cy="369332"/>
+          </a:xfrm>
+          <a:prstGeom prst="rect">
+            <a:avLst/>
+          </a:prstGeom>
+          <a:noFill/>
+        </p:spPr>
+        <p:txBody>
+          <a:bodyPr wrap="none" rtlCol="0">
+            <a:spAutoFit/>
+          </a:bodyPr>
+          <a:lstStyle/>
+          <a:p>
+            <a:r>
+              <a:rPr lang="zh-CN" altLang="en-US" dirty="0" smtClean="0"/>
+              <a:t>文件名：</a:t>
+            </a:r>
+            <a:r>
+              <a:rPr lang="en-US" altLang="zh-CN" dirty="0" smtClean="0"/>
+              <a:t>[</a:t>
+            </a:r>
+            <a:r>
+              <a:rPr lang="zh-CN" altLang="en-US" dirty="0" smtClean="0"/>
+              <a:t>唯一码</a:t>
+            </a:r>
+            <a:r>
+              <a:rPr lang="en-US" altLang="zh-CN" dirty="0" smtClean="0"/>
+              <a:t>] + </a:t>
+            </a:r>
+            <a:r>
+              <a:rPr lang="zh-CN" altLang="en-US" dirty="0" smtClean="0"/>
+              <a:t>命名 </a:t>
+            </a:r>
+            <a:r>
+              <a:rPr lang="en-US" altLang="zh-CN" dirty="0" smtClean="0"/>
+              <a:t>+ . + </a:t>
+            </a:r>
+            <a:r>
+              <a:rPr lang="zh-CN" altLang="en-US" dirty="0" smtClean="0"/>
+              <a:t>类型</a:t>
+            </a:r>
+            <a:endParaRPr lang="zh-CN" altLang="en-US" dirty="0"/>
+          </a:p>
+        </p:txBody>
+      </p:sp>
+      <p:sp>
+        <p:nvSpPr>
+          <p:cNvPr id="51" name="文本框 50"/>
+          <p:cNvSpPr txBox="1"/>
+          <p:nvPr/>
+        </p:nvSpPr>
+        <p:spPr>
+          <a:xfrm>
+            <a:off x="5468988" y="6238688"/>
+            <a:ext cx="3185487" cy="369332"/>
+          </a:xfrm>
+          <a:prstGeom prst="rect">
+            <a:avLst/>
+          </a:prstGeom>
+          <a:noFill/>
+        </p:spPr>
+        <p:txBody>
+          <a:bodyPr wrap="none" rtlCol="0">
+            <a:spAutoFit/>
+          </a:bodyPr>
+          <a:lstStyle/>
+          <a:p>
+            <a:r>
+              <a:rPr lang="zh-CN" altLang="en-US" dirty="0" smtClean="0"/>
+              <a:t>文件内通过唯一码建立关系。</a:t>
+            </a:r>
+            <a:endParaRPr lang="zh-CN" altLang="en-US" dirty="0"/>
+          </a:p>
+        </p:txBody>
+      </p:sp>
+      <p:cxnSp>
+        <p:nvCxnSpPr>
+          <p:cNvPr id="29" name="直接箭头连接符 14"/>
+          <p:cNvCxnSpPr>
+            <a:stCxn id="21" idx="3"/>
+            <a:endCxn id="45" idx="1"/>
+          </p:cNvCxnSpPr>
+          <p:nvPr/>
+        </p:nvCxnSpPr>
+        <p:spPr>
+          <a:xfrm flipV="1">
+            <a:off x="5590096" y="1651659"/>
+            <a:ext cx="1135943" cy="732999"/>
+          </a:xfrm>
+          <a:prstGeom prst="bentConnector3">
+            <a:avLst>
+              <a:gd name="adj1" fmla="val 50000"/>
+            </a:avLst>
+          </a:prstGeom>
+          <a:ln w="12700">
+            <a:headEnd w="med" len="lg"/>
+            <a:tailEnd type="none" w="med" len="lg"/>
+          </a:ln>
+        </p:spPr>
+        <p:style>
+          <a:lnRef idx="1">
+            <a:schemeClr val="accent1"/>
+          </a:lnRef>
+          <a:fillRef idx="0">
+            <a:schemeClr val="accent1"/>
+          </a:fillRef>
+          <a:effectRef idx="0">
+            <a:schemeClr val="accent1"/>
+          </a:effectRef>
+          <a:fontRef idx="minor">
+            <a:schemeClr val="tx1"/>
+          </a:fontRef>
+        </p:style>
+      </p:cxnSp>
+      <p:sp>
+        <p:nvSpPr>
+          <p:cNvPr id="30" name="圆角矩形 29"/>
+          <p:cNvSpPr/>
+          <p:nvPr/>
+        </p:nvSpPr>
+        <p:spPr>
+          <a:xfrm>
+            <a:off x="6786424" y="2009334"/>
+            <a:ext cx="3137683" cy="423164"/>
+          </a:xfrm>
+          <a:prstGeom prst="roundRect">
+            <a:avLst/>
+          </a:prstGeom>
+        </p:spPr>
+        <p:style>
+          <a:lnRef idx="2">
+            <a:schemeClr val="accent1">
+              <a:shade val="50000"/>
+            </a:schemeClr>
+          </a:lnRef>
+          <a:fillRef idx="1">
+            <a:schemeClr val="accent1"/>
+          </a:fillRef>
+          <a:effectRef idx="0">
+            <a:schemeClr val="accent1"/>
+          </a:effectRef>
+          <a:fontRef idx="minor">
+            <a:schemeClr val="lt1"/>
+          </a:fontRef>
+        </p:style>
+        <p:txBody>
+          <a:bodyPr rtlCol="0" anchor="ctr"/>
+          <a:lstStyle/>
+          <a:p>
+            <a:r>
+              <a:rPr lang="en-US" altLang="zh-CN" sz="1400" dirty="0" smtClean="0"/>
+              <a:t>Streams</a:t>
+            </a:r>
+            <a:endParaRPr lang="zh-CN" altLang="en-US" sz="1400" dirty="0"/>
+          </a:p>
+        </p:txBody>
+      </p:sp>
+      <p:cxnSp>
+        <p:nvCxnSpPr>
+          <p:cNvPr id="32" name="直接箭头连接符 14"/>
+          <p:cNvCxnSpPr>
+            <a:stCxn id="21" idx="3"/>
+            <a:endCxn id="30" idx="1"/>
+          </p:cNvCxnSpPr>
+          <p:nvPr/>
+        </p:nvCxnSpPr>
+        <p:spPr>
+          <a:xfrm flipV="1">
+            <a:off x="5590096" y="2220916"/>
+            <a:ext cx="1196328" cy="163742"/>
+          </a:xfrm>
+          <a:prstGeom prst="bentConnector3">
+            <a:avLst>
+              <a:gd name="adj1" fmla="val 50000"/>
+            </a:avLst>
+          </a:prstGeom>
+          <a:ln w="12700">
+            <a:headEnd w="med" len="lg"/>
+            <a:tailEnd type="none" w="med" len="lg"/>
+          </a:ln>
+        </p:spPr>
+        <p:style>
+          <a:lnRef idx="1">
+            <a:schemeClr val="accent1"/>
+          </a:lnRef>
+          <a:fillRef idx="0">
+            <a:schemeClr val="accent1"/>
+          </a:fillRef>
+          <a:effectRef idx="0">
+            <a:schemeClr val="accent1"/>
+          </a:effectRef>
+          <a:fontRef idx="minor">
+            <a:schemeClr val="tx1"/>
+          </a:fontRef>
+        </p:style>
+      </p:cxnSp>
+      <p:sp>
+        <p:nvSpPr>
+          <p:cNvPr id="33" name="圆角矩形 32"/>
+          <p:cNvSpPr/>
+          <p:nvPr/>
+        </p:nvSpPr>
+        <p:spPr>
+          <a:xfrm>
+            <a:off x="8654475" y="2631511"/>
+            <a:ext cx="3137683" cy="569257"/>
+          </a:xfrm>
+          <a:prstGeom prst="roundRect">
+            <a:avLst/>
+          </a:prstGeom>
+        </p:spPr>
+        <p:style>
+          <a:lnRef idx="2">
+            <a:schemeClr val="accent1">
+              <a:shade val="50000"/>
+            </a:schemeClr>
+          </a:lnRef>
+          <a:fillRef idx="1">
+            <a:schemeClr val="accent1"/>
+          </a:fillRef>
+          <a:effectRef idx="0">
+            <a:schemeClr val="accent1"/>
+          </a:effectRef>
+          <a:fontRef idx="minor">
+            <a:schemeClr val="lt1"/>
+          </a:fontRef>
+        </p:style>
+        <p:txBody>
+          <a:bodyPr rtlCol="0" anchor="ctr"/>
+          <a:lstStyle/>
+          <a:p>
+            <a:r>
+              <a:rPr lang="en-US" altLang="zh-CN" sz="1400" dirty="0" smtClean="0"/>
+              <a:t>Index/</a:t>
+            </a:r>
+            <a:r>
+              <a:rPr lang="en-US" altLang="zh-CN" sz="1400" dirty="0" err="1" smtClean="0"/>
+              <a:t>ElementDataCd</a:t>
+            </a:r>
+            <a:r>
+              <a:rPr lang="en-US" altLang="zh-CN" sz="1400" dirty="0" smtClean="0"/>
+              <a:t>/</a:t>
+            </a:r>
+            <a:r>
+              <a:rPr lang="en-US" altLang="zh-CN" sz="1400" dirty="0" err="1" smtClean="0"/>
+              <a:t>ElementCount</a:t>
+            </a:r>
+            <a:endParaRPr lang="en-US" altLang="zh-CN" sz="1400" dirty="0" smtClean="0"/>
+          </a:p>
+          <a:p>
+            <a:r>
+              <a:rPr lang="en-US" altLang="zh-CN" sz="1400" dirty="0" err="1" smtClean="0"/>
+              <a:t>DataStride</a:t>
+            </a:r>
+            <a:r>
+              <a:rPr lang="en-US" altLang="zh-CN" sz="1400" dirty="0" smtClean="0"/>
+              <a:t>/</a:t>
+            </a:r>
+            <a:r>
+              <a:rPr lang="en-US" altLang="zh-CN" sz="1400" dirty="0" err="1" smtClean="0"/>
+              <a:t>DataCount</a:t>
+            </a:r>
+            <a:r>
+              <a:rPr lang="en-US" altLang="zh-CN" sz="1400" dirty="0" smtClean="0"/>
+              <a:t>/Data</a:t>
+            </a:r>
+            <a:endParaRPr lang="zh-CN" altLang="en-US" sz="1400" dirty="0"/>
+          </a:p>
+        </p:txBody>
+      </p:sp>
+      <p:cxnSp>
+        <p:nvCxnSpPr>
+          <p:cNvPr id="35" name="直接箭头连接符 14"/>
+          <p:cNvCxnSpPr>
+            <a:stCxn id="30" idx="2"/>
+            <a:endCxn id="33" idx="1"/>
+          </p:cNvCxnSpPr>
+          <p:nvPr/>
+        </p:nvCxnSpPr>
+        <p:spPr>
+          <a:xfrm rot="16200000" flipH="1">
+            <a:off x="8263049" y="2524714"/>
+            <a:ext cx="483642" cy="299209"/>
+          </a:xfrm>
+          <a:prstGeom prst="bentConnector2">
+            <a:avLst/>
+          </a:prstGeom>
+          <a:ln w="12700">
+            <a:headEnd w="med" len="lg"/>
+            <a:tailEnd type="none" w="med" len="lg"/>
+          </a:ln>
+        </p:spPr>
+        <p:style>
+          <a:lnRef idx="1">
+            <a:schemeClr val="accent1"/>
+          </a:lnRef>
+          <a:fillRef idx="0">
+            <a:schemeClr val="accent1"/>
+          </a:fillRef>
+          <a:effectRef idx="0">
+            <a:schemeClr val="accent1"/>
+          </a:effectRef>
+          <a:fontRef idx="minor">
+            <a:schemeClr val="tx1"/>
+          </a:fontRef>
+        </p:style>
+      </p:cxnSp>
+    </p:spTree>
+    <p:extLst>
+      <p:ext uri="{BB962C8B-B14F-4D97-AF65-F5344CB8AC3E}">
+        <p14:creationId xmlns:p14="http://schemas.microsoft.com/office/powerpoint/2010/main" val="2591323529"/>
       </p:ext>
     </p:extLst>
   </p:cSld>
